--- a/figures/figure2.pptx
+++ b/figures/figure2.pptx
@@ -104,6 +104,11 @@
       </a:defRPr>
     </a:lvl9pPr>
   </p:defaultTextStyle>
+  <p:extLst>
+    <p:ext uri="{EFAFB233-063F-42B5-8137-9DF3F51BA10A}">
+      <p15:sldGuideLst xmlns:p15="http://schemas.microsoft.com/office/powerpoint/2012/main"/>
+    </p:ext>
+  </p:extLst>
 </p:presentation>
 </file>
 
@@ -254,7 +259,7 @@
           <a:p>
             <a:fld id="{FB126E3B-FB93-A84E-B9FE-AB0F06BE8661}" type="datetimeFigureOut">
               <a:rPr lang="en-US" smtClean="0"/>
-              <a:t>9/17/24</a:t>
+              <a:t>9/19/24</a:t>
             </a:fld>
             <a:endParaRPr lang="en-US"/>
           </a:p>
@@ -452,7 +457,7 @@
           <a:p>
             <a:fld id="{FB126E3B-FB93-A84E-B9FE-AB0F06BE8661}" type="datetimeFigureOut">
               <a:rPr lang="en-US" smtClean="0"/>
-              <a:t>9/17/24</a:t>
+              <a:t>9/19/24</a:t>
             </a:fld>
             <a:endParaRPr lang="en-US"/>
           </a:p>
@@ -660,7 +665,7 @@
           <a:p>
             <a:fld id="{FB126E3B-FB93-A84E-B9FE-AB0F06BE8661}" type="datetimeFigureOut">
               <a:rPr lang="en-US" smtClean="0"/>
-              <a:t>9/17/24</a:t>
+              <a:t>9/19/24</a:t>
             </a:fld>
             <a:endParaRPr lang="en-US"/>
           </a:p>
@@ -858,7 +863,7 @@
           <a:p>
             <a:fld id="{FB126E3B-FB93-A84E-B9FE-AB0F06BE8661}" type="datetimeFigureOut">
               <a:rPr lang="en-US" smtClean="0"/>
-              <a:t>9/17/24</a:t>
+              <a:t>9/19/24</a:t>
             </a:fld>
             <a:endParaRPr lang="en-US"/>
           </a:p>
@@ -1133,7 +1138,7 @@
           <a:p>
             <a:fld id="{FB126E3B-FB93-A84E-B9FE-AB0F06BE8661}" type="datetimeFigureOut">
               <a:rPr lang="en-US" smtClean="0"/>
-              <a:t>9/17/24</a:t>
+              <a:t>9/19/24</a:t>
             </a:fld>
             <a:endParaRPr lang="en-US"/>
           </a:p>
@@ -1398,7 +1403,7 @@
           <a:p>
             <a:fld id="{FB126E3B-FB93-A84E-B9FE-AB0F06BE8661}" type="datetimeFigureOut">
               <a:rPr lang="en-US" smtClean="0"/>
-              <a:t>9/17/24</a:t>
+              <a:t>9/19/24</a:t>
             </a:fld>
             <a:endParaRPr lang="en-US"/>
           </a:p>
@@ -1810,7 +1815,7 @@
           <a:p>
             <a:fld id="{FB126E3B-FB93-A84E-B9FE-AB0F06BE8661}" type="datetimeFigureOut">
               <a:rPr lang="en-US" smtClean="0"/>
-              <a:t>9/17/24</a:t>
+              <a:t>9/19/24</a:t>
             </a:fld>
             <a:endParaRPr lang="en-US"/>
           </a:p>
@@ -1951,7 +1956,7 @@
           <a:p>
             <a:fld id="{FB126E3B-FB93-A84E-B9FE-AB0F06BE8661}" type="datetimeFigureOut">
               <a:rPr lang="en-US" smtClean="0"/>
-              <a:t>9/17/24</a:t>
+              <a:t>9/19/24</a:t>
             </a:fld>
             <a:endParaRPr lang="en-US"/>
           </a:p>
@@ -2064,7 +2069,7 @@
           <a:p>
             <a:fld id="{FB126E3B-FB93-A84E-B9FE-AB0F06BE8661}" type="datetimeFigureOut">
               <a:rPr lang="en-US" smtClean="0"/>
-              <a:t>9/17/24</a:t>
+              <a:t>9/19/24</a:t>
             </a:fld>
             <a:endParaRPr lang="en-US"/>
           </a:p>
@@ -2375,7 +2380,7 @@
           <a:p>
             <a:fld id="{FB126E3B-FB93-A84E-B9FE-AB0F06BE8661}" type="datetimeFigureOut">
               <a:rPr lang="en-US" smtClean="0"/>
-              <a:t>9/17/24</a:t>
+              <a:t>9/19/24</a:t>
             </a:fld>
             <a:endParaRPr lang="en-US"/>
           </a:p>
@@ -2663,7 +2668,7 @@
           <a:p>
             <a:fld id="{FB126E3B-FB93-A84E-B9FE-AB0F06BE8661}" type="datetimeFigureOut">
               <a:rPr lang="en-US" smtClean="0"/>
-              <a:t>9/17/24</a:t>
+              <a:t>9/19/24</a:t>
             </a:fld>
             <a:endParaRPr lang="en-US"/>
           </a:p>
@@ -2904,7 +2909,7 @@
           <a:p>
             <a:fld id="{FB126E3B-FB93-A84E-B9FE-AB0F06BE8661}" type="datetimeFigureOut">
               <a:rPr lang="en-US" smtClean="0"/>
-              <a:t>9/17/24</a:t>
+              <a:t>9/19/24</a:t>
             </a:fld>
             <a:endParaRPr lang="en-US"/>
           </a:p>
@@ -3321,12 +3326,117 @@
           <a:chExt cx="0" cy="0"/>
         </a:xfrm>
       </p:grpSpPr>
+      <p:sp>
+        <p:nvSpPr>
+          <p:cNvPr id="10" name="TextBox 9">
+            <a:extLst>
+              <a:ext uri="{FF2B5EF4-FFF2-40B4-BE49-F238E27FC236}">
+                <a16:creationId xmlns:a16="http://schemas.microsoft.com/office/drawing/2014/main" id="{24BC0C04-5024-2076-BAFF-E620D13CE90B}"/>
+              </a:ext>
+            </a:extLst>
+          </p:cNvPr>
+          <p:cNvSpPr txBox="1"/>
+          <p:nvPr/>
+        </p:nvSpPr>
+        <p:spPr>
+          <a:xfrm>
+            <a:off x="2667000" y="0"/>
+            <a:ext cx="327334" cy="369332"/>
+          </a:xfrm>
+          <a:prstGeom prst="rect">
+            <a:avLst/>
+          </a:prstGeom>
+          <a:noFill/>
+        </p:spPr>
+        <p:txBody>
+          <a:bodyPr wrap="none" rtlCol="0">
+            <a:spAutoFit/>
+          </a:bodyPr>
+          <a:lstStyle/>
+          <a:p>
+            <a:r>
+              <a:rPr lang="en-US" b="1" dirty="0"/>
+              <a:t>A</a:t>
+            </a:r>
+          </a:p>
+        </p:txBody>
+      </p:sp>
+      <p:sp>
+        <p:nvSpPr>
+          <p:cNvPr id="11" name="TextBox 10">
+            <a:extLst>
+              <a:ext uri="{FF2B5EF4-FFF2-40B4-BE49-F238E27FC236}">
+                <a16:creationId xmlns:a16="http://schemas.microsoft.com/office/drawing/2014/main" id="{E912BDF5-E504-6125-C8B1-0D5C2CB98691}"/>
+              </a:ext>
+            </a:extLst>
+          </p:cNvPr>
+          <p:cNvSpPr txBox="1"/>
+          <p:nvPr/>
+        </p:nvSpPr>
+        <p:spPr>
+          <a:xfrm>
+            <a:off x="6096000" y="0"/>
+            <a:ext cx="327334" cy="369332"/>
+          </a:xfrm>
+          <a:prstGeom prst="rect">
+            <a:avLst/>
+          </a:prstGeom>
+          <a:noFill/>
+        </p:spPr>
+        <p:txBody>
+          <a:bodyPr wrap="none" rtlCol="0">
+            <a:spAutoFit/>
+          </a:bodyPr>
+          <a:lstStyle/>
+          <a:p>
+            <a:r>
+              <a:rPr lang="en-US" b="1" dirty="0"/>
+              <a:t>B</a:t>
+            </a:r>
+          </a:p>
+        </p:txBody>
+      </p:sp>
+      <p:sp>
+        <p:nvSpPr>
+          <p:cNvPr id="12" name="TextBox 11">
+            <a:extLst>
+              <a:ext uri="{FF2B5EF4-FFF2-40B4-BE49-F238E27FC236}">
+                <a16:creationId xmlns:a16="http://schemas.microsoft.com/office/drawing/2014/main" id="{623B0483-8F15-8F96-3ABB-C72B6809154E}"/>
+              </a:ext>
+            </a:extLst>
+          </p:cNvPr>
+          <p:cNvSpPr txBox="1"/>
+          <p:nvPr/>
+        </p:nvSpPr>
+        <p:spPr>
+          <a:xfrm>
+            <a:off x="6087184" y="3244334"/>
+            <a:ext cx="344966" cy="369332"/>
+          </a:xfrm>
+          <a:prstGeom prst="rect">
+            <a:avLst/>
+          </a:prstGeom>
+          <a:noFill/>
+        </p:spPr>
+        <p:txBody>
+          <a:bodyPr wrap="none" rtlCol="0">
+            <a:spAutoFit/>
+          </a:bodyPr>
+          <a:lstStyle/>
+          <a:p>
+            <a:r>
+              <a:rPr lang="en-US" b="1" dirty="0"/>
+              <a:t>C</a:t>
+            </a:r>
+          </a:p>
+        </p:txBody>
+      </p:sp>
       <p:pic>
         <p:nvPicPr>
-          <p:cNvPr id="5" name="Picture 4">
-            <a:extLst>
-              <a:ext uri="{FF2B5EF4-FFF2-40B4-BE49-F238E27FC236}">
-                <a16:creationId xmlns:a16="http://schemas.microsoft.com/office/drawing/2014/main" id="{1E12461A-82E0-D8D9-8BB1-CFA4095EFD87}"/>
+          <p:cNvPr id="3" name="Picture 2">
+            <a:extLst>
+              <a:ext uri="{FF2B5EF4-FFF2-40B4-BE49-F238E27FC236}">
+                <a16:creationId xmlns:a16="http://schemas.microsoft.com/office/drawing/2014/main" id="{FB44B62E-E8B1-3B91-A986-E1C121ED02C1}"/>
               </a:ext>
             </a:extLst>
           </p:cNvPr>
@@ -3343,8 +3453,8 @@
         </p:blipFill>
         <p:spPr>
           <a:xfrm>
-            <a:off x="6096000" y="3337035"/>
-            <a:ext cx="3429000" cy="3429000"/>
+            <a:off x="2895600" y="228600"/>
+            <a:ext cx="0" cy="0"/>
           </a:xfrm>
           <a:prstGeom prst="rect">
             <a:avLst/>
@@ -3353,10 +3463,10 @@
       </p:pic>
       <p:pic>
         <p:nvPicPr>
-          <p:cNvPr id="7" name="Picture 6">
-            <a:extLst>
-              <a:ext uri="{FF2B5EF4-FFF2-40B4-BE49-F238E27FC236}">
-                <a16:creationId xmlns:a16="http://schemas.microsoft.com/office/drawing/2014/main" id="{D012E5DA-8C9B-A379-9F72-D350EA4792EF}"/>
+          <p:cNvPr id="17" name="Picture 16">
+            <a:extLst>
+              <a:ext uri="{FF2B5EF4-FFF2-40B4-BE49-F238E27FC236}">
+                <a16:creationId xmlns:a16="http://schemas.microsoft.com/office/drawing/2014/main" id="{CC4F03A0-EB68-BB80-AE57-B62850B41834}"/>
               </a:ext>
             </a:extLst>
           </p:cNvPr>
@@ -3373,7 +3483,7 @@
         </p:blipFill>
         <p:spPr>
           <a:xfrm>
-            <a:off x="2667000" y="0"/>
+            <a:off x="6259667" y="0"/>
             <a:ext cx="3429000" cy="3429000"/>
           </a:xfrm>
           <a:prstGeom prst="rect">
@@ -3383,10 +3493,10 @@
       </p:pic>
       <p:pic>
         <p:nvPicPr>
-          <p:cNvPr id="9" name="Picture 8">
-            <a:extLst>
-              <a:ext uri="{FF2B5EF4-FFF2-40B4-BE49-F238E27FC236}">
-                <a16:creationId xmlns:a16="http://schemas.microsoft.com/office/drawing/2014/main" id="{E5B0E38E-1E14-FAFF-2CC7-15C84278CEC9}"/>
+          <p:cNvPr id="19" name="Picture 18">
+            <a:extLst>
+              <a:ext uri="{FF2B5EF4-FFF2-40B4-BE49-F238E27FC236}">
+                <a16:creationId xmlns:a16="http://schemas.microsoft.com/office/drawing/2014/main" id="{063AF34D-4011-6ABA-2877-A2236CE6FCCD}"/>
               </a:ext>
             </a:extLst>
           </p:cNvPr>
@@ -3403,7 +3513,7 @@
         </p:blipFill>
         <p:spPr>
           <a:xfrm>
-            <a:off x="6096000" y="0"/>
+            <a:off x="2830667" y="0"/>
             <a:ext cx="3429000" cy="3429000"/>
           </a:xfrm>
           <a:prstGeom prst="rect">
@@ -3411,111 +3521,36 @@
           </a:prstGeom>
         </p:spPr>
       </p:pic>
-      <p:sp>
-        <p:nvSpPr>
-          <p:cNvPr id="10" name="TextBox 9">
-            <a:extLst>
-              <a:ext uri="{FF2B5EF4-FFF2-40B4-BE49-F238E27FC236}">
-                <a16:creationId xmlns:a16="http://schemas.microsoft.com/office/drawing/2014/main" id="{24BC0C04-5024-2076-BAFF-E620D13CE90B}"/>
-              </a:ext>
-            </a:extLst>
-          </p:cNvPr>
-          <p:cNvSpPr txBox="1"/>
+      <p:pic>
+        <p:nvPicPr>
+          <p:cNvPr id="21" name="Picture 20">
+            <a:extLst>
+              <a:ext uri="{FF2B5EF4-FFF2-40B4-BE49-F238E27FC236}">
+                <a16:creationId xmlns:a16="http://schemas.microsoft.com/office/drawing/2014/main" id="{C2DF4475-A32B-83BF-4A5F-CF1C29A29D78}"/>
+              </a:ext>
+            </a:extLst>
+          </p:cNvPr>
+          <p:cNvPicPr>
+            <a:picLocks noChangeAspect="1"/>
+          </p:cNvPicPr>
           <p:nvPr/>
-        </p:nvSpPr>
+        </p:nvPicPr>
+        <p:blipFill>
+          <a:blip r:embed="rId5"/>
+          <a:stretch>
+            <a:fillRect/>
+          </a:stretch>
+        </p:blipFill>
         <p:spPr>
           <a:xfrm>
-            <a:off x="2667000" y="0"/>
-            <a:ext cx="327334" cy="369332"/>
+            <a:off x="6268483" y="3244334"/>
+            <a:ext cx="3429000" cy="3429000"/>
           </a:xfrm>
           <a:prstGeom prst="rect">
             <a:avLst/>
           </a:prstGeom>
-          <a:noFill/>
         </p:spPr>
-        <p:txBody>
-          <a:bodyPr wrap="none" rtlCol="0">
-            <a:spAutoFit/>
-          </a:bodyPr>
-          <a:lstStyle/>
-          <a:p>
-            <a:r>
-              <a:rPr lang="en-US" b="1" dirty="0"/>
-              <a:t>A</a:t>
-            </a:r>
-          </a:p>
-        </p:txBody>
-      </p:sp>
-      <p:sp>
-        <p:nvSpPr>
-          <p:cNvPr id="11" name="TextBox 10">
-            <a:extLst>
-              <a:ext uri="{FF2B5EF4-FFF2-40B4-BE49-F238E27FC236}">
-                <a16:creationId xmlns:a16="http://schemas.microsoft.com/office/drawing/2014/main" id="{E912BDF5-E504-6125-C8B1-0D5C2CB98691}"/>
-              </a:ext>
-            </a:extLst>
-          </p:cNvPr>
-          <p:cNvSpPr txBox="1"/>
-          <p:nvPr/>
-        </p:nvSpPr>
-        <p:spPr>
-          <a:xfrm>
-            <a:off x="6096000" y="0"/>
-            <a:ext cx="327334" cy="369332"/>
-          </a:xfrm>
-          <a:prstGeom prst="rect">
-            <a:avLst/>
-          </a:prstGeom>
-          <a:noFill/>
-        </p:spPr>
-        <p:txBody>
-          <a:bodyPr wrap="none" rtlCol="0">
-            <a:spAutoFit/>
-          </a:bodyPr>
-          <a:lstStyle/>
-          <a:p>
-            <a:r>
-              <a:rPr lang="en-US" b="1" dirty="0"/>
-              <a:t>B</a:t>
-            </a:r>
-          </a:p>
-        </p:txBody>
-      </p:sp>
-      <p:sp>
-        <p:nvSpPr>
-          <p:cNvPr id="12" name="TextBox 11">
-            <a:extLst>
-              <a:ext uri="{FF2B5EF4-FFF2-40B4-BE49-F238E27FC236}">
-                <a16:creationId xmlns:a16="http://schemas.microsoft.com/office/drawing/2014/main" id="{623B0483-8F15-8F96-3ABB-C72B6809154E}"/>
-              </a:ext>
-            </a:extLst>
-          </p:cNvPr>
-          <p:cNvSpPr txBox="1"/>
-          <p:nvPr/>
-        </p:nvSpPr>
-        <p:spPr>
-          <a:xfrm>
-            <a:off x="6087184" y="3337035"/>
-            <a:ext cx="344966" cy="369332"/>
-          </a:xfrm>
-          <a:prstGeom prst="rect">
-            <a:avLst/>
-          </a:prstGeom>
-          <a:noFill/>
-        </p:spPr>
-        <p:txBody>
-          <a:bodyPr wrap="none" rtlCol="0">
-            <a:spAutoFit/>
-          </a:bodyPr>
-          <a:lstStyle/>
-          <a:p>
-            <a:r>
-              <a:rPr lang="en-US" b="1" dirty="0"/>
-              <a:t>C</a:t>
-            </a:r>
-          </a:p>
-        </p:txBody>
-      </p:sp>
+      </p:pic>
     </p:spTree>
     <p:extLst>
       <p:ext uri="{BB962C8B-B14F-4D97-AF65-F5344CB8AC3E}">

--- a/figures/figure2.pptx
+++ b/figures/figure2.pptx
@@ -2,18 +2,18 @@
 <file path=ppt/presentation.xml><?xml version="1.0" encoding="utf-8"?>
 <p:presentation xmlns:a="http://schemas.openxmlformats.org/drawingml/2006/main" xmlns:r="http://schemas.openxmlformats.org/officeDocument/2006/relationships" xmlns:p="http://schemas.openxmlformats.org/presentationml/2006/main" saveSubsetFonts="1" autoCompressPictures="0">
   <p:sldMasterIdLst>
-    <p:sldMasterId id="2147483648" r:id="rId1"/>
+    <p:sldMasterId id="2147483672" r:id="rId1"/>
   </p:sldMasterIdLst>
   <p:sldIdLst>
     <p:sldId id="256" r:id="rId2"/>
   </p:sldIdLst>
-  <p:sldSz cx="12192000" cy="6858000"/>
+  <p:sldSz cx="6400800" cy="10972800"/>
   <p:notesSz cx="6858000" cy="9144000"/>
   <p:defaultTextStyle>
     <a:defPPr>
       <a:defRPr lang="en-US"/>
     </a:defPPr>
-    <a:lvl1pPr marL="0" algn="l" defTabSz="914400" rtl="0" eaLnBrk="1" latinLnBrk="0" hangingPunct="1">
+    <a:lvl1pPr marL="0" algn="l" defTabSz="457200" rtl="0" eaLnBrk="1" latinLnBrk="0" hangingPunct="1">
       <a:defRPr sz="1800" kern="1200">
         <a:solidFill>
           <a:schemeClr val="tx1"/>
@@ -23,7 +23,7 @@
         <a:cs typeface="+mn-cs"/>
       </a:defRPr>
     </a:lvl1pPr>
-    <a:lvl2pPr marL="457200" algn="l" defTabSz="914400" rtl="0" eaLnBrk="1" latinLnBrk="0" hangingPunct="1">
+    <a:lvl2pPr marL="457200" algn="l" defTabSz="457200" rtl="0" eaLnBrk="1" latinLnBrk="0" hangingPunct="1">
       <a:defRPr sz="1800" kern="1200">
         <a:solidFill>
           <a:schemeClr val="tx1"/>
@@ -33,7 +33,7 @@
         <a:cs typeface="+mn-cs"/>
       </a:defRPr>
     </a:lvl2pPr>
-    <a:lvl3pPr marL="914400" algn="l" defTabSz="914400" rtl="0" eaLnBrk="1" latinLnBrk="0" hangingPunct="1">
+    <a:lvl3pPr marL="914400" algn="l" defTabSz="457200" rtl="0" eaLnBrk="1" latinLnBrk="0" hangingPunct="1">
       <a:defRPr sz="1800" kern="1200">
         <a:solidFill>
           <a:schemeClr val="tx1"/>
@@ -43,7 +43,7 @@
         <a:cs typeface="+mn-cs"/>
       </a:defRPr>
     </a:lvl3pPr>
-    <a:lvl4pPr marL="1371600" algn="l" defTabSz="914400" rtl="0" eaLnBrk="1" latinLnBrk="0" hangingPunct="1">
+    <a:lvl4pPr marL="1371600" algn="l" defTabSz="457200" rtl="0" eaLnBrk="1" latinLnBrk="0" hangingPunct="1">
       <a:defRPr sz="1800" kern="1200">
         <a:solidFill>
           <a:schemeClr val="tx1"/>
@@ -53,7 +53,7 @@
         <a:cs typeface="+mn-cs"/>
       </a:defRPr>
     </a:lvl4pPr>
-    <a:lvl5pPr marL="1828800" algn="l" defTabSz="914400" rtl="0" eaLnBrk="1" latinLnBrk="0" hangingPunct="1">
+    <a:lvl5pPr marL="1828800" algn="l" defTabSz="457200" rtl="0" eaLnBrk="1" latinLnBrk="0" hangingPunct="1">
       <a:defRPr sz="1800" kern="1200">
         <a:solidFill>
           <a:schemeClr val="tx1"/>
@@ -63,7 +63,7 @@
         <a:cs typeface="+mn-cs"/>
       </a:defRPr>
     </a:lvl5pPr>
-    <a:lvl6pPr marL="2286000" algn="l" defTabSz="914400" rtl="0" eaLnBrk="1" latinLnBrk="0" hangingPunct="1">
+    <a:lvl6pPr marL="2286000" algn="l" defTabSz="457200" rtl="0" eaLnBrk="1" latinLnBrk="0" hangingPunct="1">
       <a:defRPr sz="1800" kern="1200">
         <a:solidFill>
           <a:schemeClr val="tx1"/>
@@ -73,7 +73,7 @@
         <a:cs typeface="+mn-cs"/>
       </a:defRPr>
     </a:lvl6pPr>
-    <a:lvl7pPr marL="2743200" algn="l" defTabSz="914400" rtl="0" eaLnBrk="1" latinLnBrk="0" hangingPunct="1">
+    <a:lvl7pPr marL="2743200" algn="l" defTabSz="457200" rtl="0" eaLnBrk="1" latinLnBrk="0" hangingPunct="1">
       <a:defRPr sz="1800" kern="1200">
         <a:solidFill>
           <a:schemeClr val="tx1"/>
@@ -83,7 +83,7 @@
         <a:cs typeface="+mn-cs"/>
       </a:defRPr>
     </a:lvl7pPr>
-    <a:lvl8pPr marL="3200400" algn="l" defTabSz="914400" rtl="0" eaLnBrk="1" latinLnBrk="0" hangingPunct="1">
+    <a:lvl8pPr marL="3200400" algn="l" defTabSz="457200" rtl="0" eaLnBrk="1" latinLnBrk="0" hangingPunct="1">
       <a:defRPr sz="1800" kern="1200">
         <a:solidFill>
           <a:schemeClr val="tx1"/>
@@ -93,7 +93,7 @@
         <a:cs typeface="+mn-cs"/>
       </a:defRPr>
     </a:lvl8pPr>
-    <a:lvl9pPr marL="3657600" algn="l" defTabSz="914400" rtl="0" eaLnBrk="1" latinLnBrk="0" hangingPunct="1">
+    <a:lvl9pPr marL="3657600" algn="l" defTabSz="457200" rtl="0" eaLnBrk="1" latinLnBrk="0" hangingPunct="1">
       <a:defRPr sz="1800" kern="1200">
         <a:solidFill>
           <a:schemeClr val="tx1"/>
@@ -131,13 +131,7 @@
       </p:grpSpPr>
       <p:sp>
         <p:nvSpPr>
-          <p:cNvPr id="2" name="Title 1">
-            <a:extLst>
-              <a:ext uri="{FF2B5EF4-FFF2-40B4-BE49-F238E27FC236}">
-                <a16:creationId xmlns:a16="http://schemas.microsoft.com/office/drawing/2014/main" id="{10F60E81-392A-6FDC-BBDD-383992C3B462}"/>
-              </a:ext>
-            </a:extLst>
-          </p:cNvPr>
+          <p:cNvPr id="2" name="Title 1"/>
           <p:cNvSpPr>
             <a:spLocks noGrp="1"/>
           </p:cNvSpPr>
@@ -147,15 +141,15 @@
         </p:nvSpPr>
         <p:spPr>
           <a:xfrm>
-            <a:off x="1524000" y="1122363"/>
-            <a:ext cx="9144000" cy="2387600"/>
+            <a:off x="480060" y="1795781"/>
+            <a:ext cx="5440680" cy="3820160"/>
           </a:xfrm>
         </p:spPr>
         <p:txBody>
           <a:bodyPr anchor="b"/>
           <a:lstStyle>
             <a:lvl1pPr algn="ctr">
-              <a:defRPr sz="6000"/>
+              <a:defRPr sz="4200"/>
             </a:lvl1pPr>
           </a:lstStyle>
           <a:p>
@@ -163,18 +157,13 @@
               <a:rPr lang="en-US"/>
               <a:t>Click to edit Master title style</a:t>
             </a:r>
-          </a:p>
-        </p:txBody>
-      </p:sp>
-      <p:sp>
-        <p:nvSpPr>
-          <p:cNvPr id="3" name="Subtitle 2">
-            <a:extLst>
-              <a:ext uri="{FF2B5EF4-FFF2-40B4-BE49-F238E27FC236}">
-                <a16:creationId xmlns:a16="http://schemas.microsoft.com/office/drawing/2014/main" id="{2DEC10D3-5498-A73A-95F3-E32F2624257F}"/>
-              </a:ext>
-            </a:extLst>
-          </p:cNvPr>
+            <a:endParaRPr lang="en-US" dirty="0"/>
+          </a:p>
+        </p:txBody>
+      </p:sp>
+      <p:sp>
+        <p:nvSpPr>
+          <p:cNvPr id="3" name="Subtitle 2"/>
           <p:cNvSpPr>
             <a:spLocks noGrp="1"/>
           </p:cNvSpPr>
@@ -184,8 +173,8 @@
         </p:nvSpPr>
         <p:spPr>
           <a:xfrm>
-            <a:off x="1524000" y="3602038"/>
-            <a:ext cx="9144000" cy="1655762"/>
+            <a:off x="800100" y="5763261"/>
+            <a:ext cx="4800600" cy="2649219"/>
           </a:xfrm>
         </p:spPr>
         <p:txBody>
@@ -193,39 +182,39 @@
           <a:lstStyle>
             <a:lvl1pPr marL="0" indent="0" algn="ctr">
               <a:buNone/>
-              <a:defRPr sz="2400"/>
+              <a:defRPr sz="1680"/>
             </a:lvl1pPr>
-            <a:lvl2pPr marL="457200" indent="0" algn="ctr">
-              <a:buNone/>
-              <a:defRPr sz="2000"/>
+            <a:lvl2pPr marL="320040" indent="0" algn="ctr">
+              <a:buNone/>
+              <a:defRPr sz="1400"/>
             </a:lvl2pPr>
-            <a:lvl3pPr marL="914400" indent="0" algn="ctr">
-              <a:buNone/>
-              <a:defRPr sz="1800"/>
+            <a:lvl3pPr marL="640080" indent="0" algn="ctr">
+              <a:buNone/>
+              <a:defRPr sz="1260"/>
             </a:lvl3pPr>
-            <a:lvl4pPr marL="1371600" indent="0" algn="ctr">
-              <a:buNone/>
-              <a:defRPr sz="1600"/>
+            <a:lvl4pPr marL="960120" indent="0" algn="ctr">
+              <a:buNone/>
+              <a:defRPr sz="1120"/>
             </a:lvl4pPr>
-            <a:lvl5pPr marL="1828800" indent="0" algn="ctr">
-              <a:buNone/>
-              <a:defRPr sz="1600"/>
+            <a:lvl5pPr marL="1280160" indent="0" algn="ctr">
+              <a:buNone/>
+              <a:defRPr sz="1120"/>
             </a:lvl5pPr>
-            <a:lvl6pPr marL="2286000" indent="0" algn="ctr">
-              <a:buNone/>
-              <a:defRPr sz="1600"/>
+            <a:lvl6pPr marL="1600200" indent="0" algn="ctr">
+              <a:buNone/>
+              <a:defRPr sz="1120"/>
             </a:lvl6pPr>
-            <a:lvl7pPr marL="2743200" indent="0" algn="ctr">
-              <a:buNone/>
-              <a:defRPr sz="1600"/>
+            <a:lvl7pPr marL="1920240" indent="0" algn="ctr">
+              <a:buNone/>
+              <a:defRPr sz="1120"/>
             </a:lvl7pPr>
-            <a:lvl8pPr marL="3200400" indent="0" algn="ctr">
-              <a:buNone/>
-              <a:defRPr sz="1600"/>
+            <a:lvl8pPr marL="2240280" indent="0" algn="ctr">
+              <a:buNone/>
+              <a:defRPr sz="1120"/>
             </a:lvl8pPr>
-            <a:lvl9pPr marL="3657600" indent="0" algn="ctr">
-              <a:buNone/>
-              <a:defRPr sz="1600"/>
+            <a:lvl9pPr marL="2560320" indent="0" algn="ctr">
+              <a:buNone/>
+              <a:defRPr sz="1120"/>
             </a:lvl9pPr>
           </a:lstStyle>
           <a:p>
@@ -233,18 +222,13 @@
               <a:rPr lang="en-US"/>
               <a:t>Click to edit Master subtitle style</a:t>
             </a:r>
-          </a:p>
-        </p:txBody>
-      </p:sp>
-      <p:sp>
-        <p:nvSpPr>
-          <p:cNvPr id="4" name="Date Placeholder 3">
-            <a:extLst>
-              <a:ext uri="{FF2B5EF4-FFF2-40B4-BE49-F238E27FC236}">
-                <a16:creationId xmlns:a16="http://schemas.microsoft.com/office/drawing/2014/main" id="{E485689D-7C38-411C-55AF-AF715A49DC74}"/>
-              </a:ext>
-            </a:extLst>
-          </p:cNvPr>
+            <a:endParaRPr lang="en-US" dirty="0"/>
+          </a:p>
+        </p:txBody>
+      </p:sp>
+      <p:sp>
+        <p:nvSpPr>
+          <p:cNvPr id="4" name="Date Placeholder 3"/>
           <p:cNvSpPr>
             <a:spLocks noGrp="1"/>
           </p:cNvSpPr>
@@ -259,7 +243,7 @@
           <a:p>
             <a:fld id="{FB126E3B-FB93-A84E-B9FE-AB0F06BE8661}" type="datetimeFigureOut">
               <a:rPr lang="en-US" smtClean="0"/>
-              <a:t>9/19/24</a:t>
+              <a:t>10/8/24</a:t>
             </a:fld>
             <a:endParaRPr lang="en-US"/>
           </a:p>
@@ -267,13 +251,7 @@
       </p:sp>
       <p:sp>
         <p:nvSpPr>
-          <p:cNvPr id="5" name="Footer Placeholder 4">
-            <a:extLst>
-              <a:ext uri="{FF2B5EF4-FFF2-40B4-BE49-F238E27FC236}">
-                <a16:creationId xmlns:a16="http://schemas.microsoft.com/office/drawing/2014/main" id="{B35DD717-B676-83E8-848B-4C50287D5793}"/>
-              </a:ext>
-            </a:extLst>
-          </p:cNvPr>
+          <p:cNvPr id="5" name="Footer Placeholder 4"/>
           <p:cNvSpPr>
             <a:spLocks noGrp="1"/>
           </p:cNvSpPr>
@@ -292,13 +270,7 @@
       </p:sp>
       <p:sp>
         <p:nvSpPr>
-          <p:cNvPr id="6" name="Slide Number Placeholder 5">
-            <a:extLst>
-              <a:ext uri="{FF2B5EF4-FFF2-40B4-BE49-F238E27FC236}">
-                <a16:creationId xmlns:a16="http://schemas.microsoft.com/office/drawing/2014/main" id="{7F7C81B5-18A1-CBE0-2264-2D383307BD62}"/>
-              </a:ext>
-            </a:extLst>
-          </p:cNvPr>
+          <p:cNvPr id="6" name="Slide Number Placeholder 5"/>
           <p:cNvSpPr>
             <a:spLocks noGrp="1"/>
           </p:cNvSpPr>
@@ -322,7 +294,7 @@
     </p:spTree>
     <p:extLst>
       <p:ext uri="{BB962C8B-B14F-4D97-AF65-F5344CB8AC3E}">
-        <p14:creationId xmlns:p14="http://schemas.microsoft.com/office/powerpoint/2010/main" val="2053018264"/>
+        <p14:creationId xmlns:p14="http://schemas.microsoft.com/office/powerpoint/2010/main" val="2209586309"/>
       </p:ext>
     </p:extLst>
   </p:cSld>
@@ -351,13 +323,7 @@
       </p:grpSpPr>
       <p:sp>
         <p:nvSpPr>
-          <p:cNvPr id="2" name="Title 1">
-            <a:extLst>
-              <a:ext uri="{FF2B5EF4-FFF2-40B4-BE49-F238E27FC236}">
-                <a16:creationId xmlns:a16="http://schemas.microsoft.com/office/drawing/2014/main" id="{3411D91C-35AD-FCB5-CDA3-8115939225FA}"/>
-              </a:ext>
-            </a:extLst>
-          </p:cNvPr>
+          <p:cNvPr id="2" name="Title 1"/>
           <p:cNvSpPr>
             <a:spLocks noGrp="1"/>
           </p:cNvSpPr>
@@ -374,18 +340,13 @@
               <a:rPr lang="en-US"/>
               <a:t>Click to edit Master title style</a:t>
             </a:r>
-          </a:p>
-        </p:txBody>
-      </p:sp>
-      <p:sp>
-        <p:nvSpPr>
-          <p:cNvPr id="3" name="Vertical Text Placeholder 2">
-            <a:extLst>
-              <a:ext uri="{FF2B5EF4-FFF2-40B4-BE49-F238E27FC236}">
-                <a16:creationId xmlns:a16="http://schemas.microsoft.com/office/drawing/2014/main" id="{A3F71C23-FCF4-C358-459E-2905031EB3E1}"/>
-              </a:ext>
-            </a:extLst>
-          </p:cNvPr>
+            <a:endParaRPr lang="en-US" dirty="0"/>
+          </a:p>
+        </p:txBody>
+      </p:sp>
+      <p:sp>
+        <p:nvSpPr>
+          <p:cNvPr id="3" name="Vertical Text Placeholder 2"/>
           <p:cNvSpPr>
             <a:spLocks noGrp="1"/>
           </p:cNvSpPr>
@@ -431,18 +392,13 @@
               <a:rPr lang="en-US"/>
               <a:t>Fifth level</a:t>
             </a:r>
-          </a:p>
-        </p:txBody>
-      </p:sp>
-      <p:sp>
-        <p:nvSpPr>
-          <p:cNvPr id="4" name="Date Placeholder 3">
-            <a:extLst>
-              <a:ext uri="{FF2B5EF4-FFF2-40B4-BE49-F238E27FC236}">
-                <a16:creationId xmlns:a16="http://schemas.microsoft.com/office/drawing/2014/main" id="{4F5935F3-230C-7D00-3386-70562CF9C744}"/>
-              </a:ext>
-            </a:extLst>
-          </p:cNvPr>
+            <a:endParaRPr lang="en-US" dirty="0"/>
+          </a:p>
+        </p:txBody>
+      </p:sp>
+      <p:sp>
+        <p:nvSpPr>
+          <p:cNvPr id="4" name="Date Placeholder 3"/>
           <p:cNvSpPr>
             <a:spLocks noGrp="1"/>
           </p:cNvSpPr>
@@ -457,7 +413,7 @@
           <a:p>
             <a:fld id="{FB126E3B-FB93-A84E-B9FE-AB0F06BE8661}" type="datetimeFigureOut">
               <a:rPr lang="en-US" smtClean="0"/>
-              <a:t>9/19/24</a:t>
+              <a:t>10/8/24</a:t>
             </a:fld>
             <a:endParaRPr lang="en-US"/>
           </a:p>
@@ -465,13 +421,7 @@
       </p:sp>
       <p:sp>
         <p:nvSpPr>
-          <p:cNvPr id="5" name="Footer Placeholder 4">
-            <a:extLst>
-              <a:ext uri="{FF2B5EF4-FFF2-40B4-BE49-F238E27FC236}">
-                <a16:creationId xmlns:a16="http://schemas.microsoft.com/office/drawing/2014/main" id="{9E1337F4-4EE0-40FE-AE76-49487744A186}"/>
-              </a:ext>
-            </a:extLst>
-          </p:cNvPr>
+          <p:cNvPr id="5" name="Footer Placeholder 4"/>
           <p:cNvSpPr>
             <a:spLocks noGrp="1"/>
           </p:cNvSpPr>
@@ -490,13 +440,7 @@
       </p:sp>
       <p:sp>
         <p:nvSpPr>
-          <p:cNvPr id="6" name="Slide Number Placeholder 5">
-            <a:extLst>
-              <a:ext uri="{FF2B5EF4-FFF2-40B4-BE49-F238E27FC236}">
-                <a16:creationId xmlns:a16="http://schemas.microsoft.com/office/drawing/2014/main" id="{CD202287-8FA4-5FC7-33E0-7624110B4703}"/>
-              </a:ext>
-            </a:extLst>
-          </p:cNvPr>
+          <p:cNvPr id="6" name="Slide Number Placeholder 5"/>
           <p:cNvSpPr>
             <a:spLocks noGrp="1"/>
           </p:cNvSpPr>
@@ -520,7 +464,7 @@
     </p:spTree>
     <p:extLst>
       <p:ext uri="{BB962C8B-B14F-4D97-AF65-F5344CB8AC3E}">
-        <p14:creationId xmlns:p14="http://schemas.microsoft.com/office/powerpoint/2010/main" val="3657901533"/>
+        <p14:creationId xmlns:p14="http://schemas.microsoft.com/office/powerpoint/2010/main" val="3462695612"/>
       </p:ext>
     </p:extLst>
   </p:cSld>
@@ -549,13 +493,7 @@
       </p:grpSpPr>
       <p:sp>
         <p:nvSpPr>
-          <p:cNvPr id="2" name="Vertical Title 1">
-            <a:extLst>
-              <a:ext uri="{FF2B5EF4-FFF2-40B4-BE49-F238E27FC236}">
-                <a16:creationId xmlns:a16="http://schemas.microsoft.com/office/drawing/2014/main" id="{1CC1EAB4-D1A1-6F73-3977-160D4518A5BF}"/>
-              </a:ext>
-            </a:extLst>
-          </p:cNvPr>
+          <p:cNvPr id="2" name="Vertical Title 1"/>
           <p:cNvSpPr>
             <a:spLocks noGrp="1"/>
           </p:cNvSpPr>
@@ -565,8 +503,8 @@
         </p:nvSpPr>
         <p:spPr>
           <a:xfrm>
-            <a:off x="8724900" y="365125"/>
-            <a:ext cx="2628900" cy="5811838"/>
+            <a:off x="4580573" y="584200"/>
+            <a:ext cx="1380173" cy="9298941"/>
           </a:xfrm>
         </p:spPr>
         <p:txBody>
@@ -577,18 +515,13 @@
               <a:rPr lang="en-US"/>
               <a:t>Click to edit Master title style</a:t>
             </a:r>
-          </a:p>
-        </p:txBody>
-      </p:sp>
-      <p:sp>
-        <p:nvSpPr>
-          <p:cNvPr id="3" name="Vertical Text Placeholder 2">
-            <a:extLst>
-              <a:ext uri="{FF2B5EF4-FFF2-40B4-BE49-F238E27FC236}">
-                <a16:creationId xmlns:a16="http://schemas.microsoft.com/office/drawing/2014/main" id="{04988442-D478-63E8-2F3F-EE2568FF5540}"/>
-              </a:ext>
-            </a:extLst>
-          </p:cNvPr>
+            <a:endParaRPr lang="en-US" dirty="0"/>
+          </a:p>
+        </p:txBody>
+      </p:sp>
+      <p:sp>
+        <p:nvSpPr>
+          <p:cNvPr id="3" name="Vertical Text Placeholder 2"/>
           <p:cNvSpPr>
             <a:spLocks noGrp="1"/>
           </p:cNvSpPr>
@@ -598,8 +531,8 @@
         </p:nvSpPr>
         <p:spPr>
           <a:xfrm>
-            <a:off x="838200" y="365125"/>
-            <a:ext cx="7734300" cy="5811838"/>
+            <a:off x="440055" y="584200"/>
+            <a:ext cx="4060508" cy="9298941"/>
           </a:xfrm>
         </p:spPr>
         <p:txBody>
@@ -639,18 +572,13 @@
               <a:rPr lang="en-US"/>
               <a:t>Fifth level</a:t>
             </a:r>
-          </a:p>
-        </p:txBody>
-      </p:sp>
-      <p:sp>
-        <p:nvSpPr>
-          <p:cNvPr id="4" name="Date Placeholder 3">
-            <a:extLst>
-              <a:ext uri="{FF2B5EF4-FFF2-40B4-BE49-F238E27FC236}">
-                <a16:creationId xmlns:a16="http://schemas.microsoft.com/office/drawing/2014/main" id="{B81064EC-0615-23DC-4E59-B3D3858D7829}"/>
-              </a:ext>
-            </a:extLst>
-          </p:cNvPr>
+            <a:endParaRPr lang="en-US" dirty="0"/>
+          </a:p>
+        </p:txBody>
+      </p:sp>
+      <p:sp>
+        <p:nvSpPr>
+          <p:cNvPr id="4" name="Date Placeholder 3"/>
           <p:cNvSpPr>
             <a:spLocks noGrp="1"/>
           </p:cNvSpPr>
@@ -665,7 +593,7 @@
           <a:p>
             <a:fld id="{FB126E3B-FB93-A84E-B9FE-AB0F06BE8661}" type="datetimeFigureOut">
               <a:rPr lang="en-US" smtClean="0"/>
-              <a:t>9/19/24</a:t>
+              <a:t>10/8/24</a:t>
             </a:fld>
             <a:endParaRPr lang="en-US"/>
           </a:p>
@@ -673,13 +601,7 @@
       </p:sp>
       <p:sp>
         <p:nvSpPr>
-          <p:cNvPr id="5" name="Footer Placeholder 4">
-            <a:extLst>
-              <a:ext uri="{FF2B5EF4-FFF2-40B4-BE49-F238E27FC236}">
-                <a16:creationId xmlns:a16="http://schemas.microsoft.com/office/drawing/2014/main" id="{0CF596D1-E350-8F3C-3657-176AEADA5B71}"/>
-              </a:ext>
-            </a:extLst>
-          </p:cNvPr>
+          <p:cNvPr id="5" name="Footer Placeholder 4"/>
           <p:cNvSpPr>
             <a:spLocks noGrp="1"/>
           </p:cNvSpPr>
@@ -698,13 +620,7 @@
       </p:sp>
       <p:sp>
         <p:nvSpPr>
-          <p:cNvPr id="6" name="Slide Number Placeholder 5">
-            <a:extLst>
-              <a:ext uri="{FF2B5EF4-FFF2-40B4-BE49-F238E27FC236}">
-                <a16:creationId xmlns:a16="http://schemas.microsoft.com/office/drawing/2014/main" id="{A767AF76-8EF2-394E-294B-C8E191BC410A}"/>
-              </a:ext>
-            </a:extLst>
-          </p:cNvPr>
+          <p:cNvPr id="6" name="Slide Number Placeholder 5"/>
           <p:cNvSpPr>
             <a:spLocks noGrp="1"/>
           </p:cNvSpPr>
@@ -728,7 +644,7 @@
     </p:spTree>
     <p:extLst>
       <p:ext uri="{BB962C8B-B14F-4D97-AF65-F5344CB8AC3E}">
-        <p14:creationId xmlns:p14="http://schemas.microsoft.com/office/powerpoint/2010/main" val="782058122"/>
+        <p14:creationId xmlns:p14="http://schemas.microsoft.com/office/powerpoint/2010/main" val="3635194056"/>
       </p:ext>
     </p:extLst>
   </p:cSld>
@@ -757,13 +673,7 @@
       </p:grpSpPr>
       <p:sp>
         <p:nvSpPr>
-          <p:cNvPr id="2" name="Title 1">
-            <a:extLst>
-              <a:ext uri="{FF2B5EF4-FFF2-40B4-BE49-F238E27FC236}">
-                <a16:creationId xmlns:a16="http://schemas.microsoft.com/office/drawing/2014/main" id="{11E768EA-2EB8-5A45-FA09-FA23F4C48794}"/>
-              </a:ext>
-            </a:extLst>
-          </p:cNvPr>
+          <p:cNvPr id="2" name="Title 1"/>
           <p:cNvSpPr>
             <a:spLocks noGrp="1"/>
           </p:cNvSpPr>
@@ -780,18 +690,13 @@
               <a:rPr lang="en-US"/>
               <a:t>Click to edit Master title style</a:t>
             </a:r>
-          </a:p>
-        </p:txBody>
-      </p:sp>
-      <p:sp>
-        <p:nvSpPr>
-          <p:cNvPr id="3" name="Content Placeholder 2">
-            <a:extLst>
-              <a:ext uri="{FF2B5EF4-FFF2-40B4-BE49-F238E27FC236}">
-                <a16:creationId xmlns:a16="http://schemas.microsoft.com/office/drawing/2014/main" id="{12A02F7B-F043-7671-F433-A648AF403CCD}"/>
-              </a:ext>
-            </a:extLst>
-          </p:cNvPr>
+            <a:endParaRPr lang="en-US" dirty="0"/>
+          </a:p>
+        </p:txBody>
+      </p:sp>
+      <p:sp>
+        <p:nvSpPr>
+          <p:cNvPr id="3" name="Content Placeholder 2"/>
           <p:cNvSpPr>
             <a:spLocks noGrp="1"/>
           </p:cNvSpPr>
@@ -837,18 +742,13 @@
               <a:rPr lang="en-US"/>
               <a:t>Fifth level</a:t>
             </a:r>
-          </a:p>
-        </p:txBody>
-      </p:sp>
-      <p:sp>
-        <p:nvSpPr>
-          <p:cNvPr id="4" name="Date Placeholder 3">
-            <a:extLst>
-              <a:ext uri="{FF2B5EF4-FFF2-40B4-BE49-F238E27FC236}">
-                <a16:creationId xmlns:a16="http://schemas.microsoft.com/office/drawing/2014/main" id="{4FD71C26-3E48-8F1E-77B7-77514347D615}"/>
-              </a:ext>
-            </a:extLst>
-          </p:cNvPr>
+            <a:endParaRPr lang="en-US" dirty="0"/>
+          </a:p>
+        </p:txBody>
+      </p:sp>
+      <p:sp>
+        <p:nvSpPr>
+          <p:cNvPr id="4" name="Date Placeholder 3"/>
           <p:cNvSpPr>
             <a:spLocks noGrp="1"/>
           </p:cNvSpPr>
@@ -863,7 +763,7 @@
           <a:p>
             <a:fld id="{FB126E3B-FB93-A84E-B9FE-AB0F06BE8661}" type="datetimeFigureOut">
               <a:rPr lang="en-US" smtClean="0"/>
-              <a:t>9/19/24</a:t>
+              <a:t>10/8/24</a:t>
             </a:fld>
             <a:endParaRPr lang="en-US"/>
           </a:p>
@@ -871,13 +771,7 @@
       </p:sp>
       <p:sp>
         <p:nvSpPr>
-          <p:cNvPr id="5" name="Footer Placeholder 4">
-            <a:extLst>
-              <a:ext uri="{FF2B5EF4-FFF2-40B4-BE49-F238E27FC236}">
-                <a16:creationId xmlns:a16="http://schemas.microsoft.com/office/drawing/2014/main" id="{E6AA8545-40AF-A02D-25A9-D36066B38D5B}"/>
-              </a:ext>
-            </a:extLst>
-          </p:cNvPr>
+          <p:cNvPr id="5" name="Footer Placeholder 4"/>
           <p:cNvSpPr>
             <a:spLocks noGrp="1"/>
           </p:cNvSpPr>
@@ -896,13 +790,7 @@
       </p:sp>
       <p:sp>
         <p:nvSpPr>
-          <p:cNvPr id="6" name="Slide Number Placeholder 5">
-            <a:extLst>
-              <a:ext uri="{FF2B5EF4-FFF2-40B4-BE49-F238E27FC236}">
-                <a16:creationId xmlns:a16="http://schemas.microsoft.com/office/drawing/2014/main" id="{07807E6C-3DCC-68FC-BE18-D3386BC52132}"/>
-              </a:ext>
-            </a:extLst>
-          </p:cNvPr>
+          <p:cNvPr id="6" name="Slide Number Placeholder 5"/>
           <p:cNvSpPr>
             <a:spLocks noGrp="1"/>
           </p:cNvSpPr>
@@ -926,7 +814,7 @@
     </p:spTree>
     <p:extLst>
       <p:ext uri="{BB962C8B-B14F-4D97-AF65-F5344CB8AC3E}">
-        <p14:creationId xmlns:p14="http://schemas.microsoft.com/office/powerpoint/2010/main" val="3925644470"/>
+        <p14:creationId xmlns:p14="http://schemas.microsoft.com/office/powerpoint/2010/main" val="1313320455"/>
       </p:ext>
     </p:extLst>
   </p:cSld>
@@ -955,13 +843,7 @@
       </p:grpSpPr>
       <p:sp>
         <p:nvSpPr>
-          <p:cNvPr id="2" name="Title 1">
-            <a:extLst>
-              <a:ext uri="{FF2B5EF4-FFF2-40B4-BE49-F238E27FC236}">
-                <a16:creationId xmlns:a16="http://schemas.microsoft.com/office/drawing/2014/main" id="{3E6A2787-174B-CC95-7646-04A5CE0F1153}"/>
-              </a:ext>
-            </a:extLst>
-          </p:cNvPr>
+          <p:cNvPr id="2" name="Title 1"/>
           <p:cNvSpPr>
             <a:spLocks noGrp="1"/>
           </p:cNvSpPr>
@@ -971,15 +853,15 @@
         </p:nvSpPr>
         <p:spPr>
           <a:xfrm>
-            <a:off x="831850" y="1709738"/>
-            <a:ext cx="10515600" cy="2852737"/>
+            <a:off x="436722" y="2735583"/>
+            <a:ext cx="5520690" cy="4564379"/>
           </a:xfrm>
         </p:spPr>
         <p:txBody>
           <a:bodyPr anchor="b"/>
           <a:lstStyle>
             <a:lvl1pPr>
-              <a:defRPr sz="6000"/>
+              <a:defRPr sz="4200"/>
             </a:lvl1pPr>
           </a:lstStyle>
           <a:p>
@@ -987,18 +869,13 @@
               <a:rPr lang="en-US"/>
               <a:t>Click to edit Master title style</a:t>
             </a:r>
-          </a:p>
-        </p:txBody>
-      </p:sp>
-      <p:sp>
-        <p:nvSpPr>
-          <p:cNvPr id="3" name="Text Placeholder 2">
-            <a:extLst>
-              <a:ext uri="{FF2B5EF4-FFF2-40B4-BE49-F238E27FC236}">
-                <a16:creationId xmlns:a16="http://schemas.microsoft.com/office/drawing/2014/main" id="{C0877339-42C2-5119-7DF0-C246D417B34D}"/>
-              </a:ext>
-            </a:extLst>
-          </p:cNvPr>
+            <a:endParaRPr lang="en-US" dirty="0"/>
+          </a:p>
+        </p:txBody>
+      </p:sp>
+      <p:sp>
+        <p:nvSpPr>
+          <p:cNvPr id="3" name="Text Placeholder 2"/>
           <p:cNvSpPr>
             <a:spLocks noGrp="1"/>
           </p:cNvSpPr>
@@ -1008,8 +885,8 @@
         </p:nvSpPr>
         <p:spPr>
           <a:xfrm>
-            <a:off x="831850" y="4589463"/>
-            <a:ext cx="10515600" cy="1500187"/>
+            <a:off x="436722" y="7343143"/>
+            <a:ext cx="5520690" cy="2400299"/>
           </a:xfrm>
         </p:spPr>
         <p:txBody>
@@ -1017,7 +894,7 @@
           <a:lstStyle>
             <a:lvl1pPr marL="0" indent="0">
               <a:buNone/>
-              <a:defRPr sz="2400">
+              <a:defRPr sz="1680">
                 <a:solidFill>
                   <a:schemeClr val="tx1">
                     <a:tint val="82000"/>
@@ -1025,9 +902,9 @@
                 </a:solidFill>
               </a:defRPr>
             </a:lvl1pPr>
-            <a:lvl2pPr marL="457200" indent="0">
-              <a:buNone/>
-              <a:defRPr sz="2000">
+            <a:lvl2pPr marL="320040" indent="0">
+              <a:buNone/>
+              <a:defRPr sz="1400">
                 <a:solidFill>
                   <a:schemeClr val="tx1">
                     <a:tint val="82000"/>
@@ -1035,9 +912,9 @@
                 </a:solidFill>
               </a:defRPr>
             </a:lvl2pPr>
-            <a:lvl3pPr marL="914400" indent="0">
-              <a:buNone/>
-              <a:defRPr sz="1800">
+            <a:lvl3pPr marL="640080" indent="0">
+              <a:buNone/>
+              <a:defRPr sz="1260">
                 <a:solidFill>
                   <a:schemeClr val="tx1">
                     <a:tint val="82000"/>
@@ -1045,9 +922,9 @@
                 </a:solidFill>
               </a:defRPr>
             </a:lvl3pPr>
-            <a:lvl4pPr marL="1371600" indent="0">
-              <a:buNone/>
-              <a:defRPr sz="1600">
+            <a:lvl4pPr marL="960120" indent="0">
+              <a:buNone/>
+              <a:defRPr sz="1120">
                 <a:solidFill>
                   <a:schemeClr val="tx1">
                     <a:tint val="82000"/>
@@ -1055,9 +932,9 @@
                 </a:solidFill>
               </a:defRPr>
             </a:lvl4pPr>
-            <a:lvl5pPr marL="1828800" indent="0">
-              <a:buNone/>
-              <a:defRPr sz="1600">
+            <a:lvl5pPr marL="1280160" indent="0">
+              <a:buNone/>
+              <a:defRPr sz="1120">
                 <a:solidFill>
                   <a:schemeClr val="tx1">
                     <a:tint val="82000"/>
@@ -1065,9 +942,9 @@
                 </a:solidFill>
               </a:defRPr>
             </a:lvl5pPr>
-            <a:lvl6pPr marL="2286000" indent="0">
-              <a:buNone/>
-              <a:defRPr sz="1600">
+            <a:lvl6pPr marL="1600200" indent="0">
+              <a:buNone/>
+              <a:defRPr sz="1120">
                 <a:solidFill>
                   <a:schemeClr val="tx1">
                     <a:tint val="82000"/>
@@ -1075,9 +952,9 @@
                 </a:solidFill>
               </a:defRPr>
             </a:lvl6pPr>
-            <a:lvl7pPr marL="2743200" indent="0">
-              <a:buNone/>
-              <a:defRPr sz="1600">
+            <a:lvl7pPr marL="1920240" indent="0">
+              <a:buNone/>
+              <a:defRPr sz="1120">
                 <a:solidFill>
                   <a:schemeClr val="tx1">
                     <a:tint val="82000"/>
@@ -1085,9 +962,9 @@
                 </a:solidFill>
               </a:defRPr>
             </a:lvl7pPr>
-            <a:lvl8pPr marL="3200400" indent="0">
-              <a:buNone/>
-              <a:defRPr sz="1600">
+            <a:lvl8pPr marL="2240280" indent="0">
+              <a:buNone/>
+              <a:defRPr sz="1120">
                 <a:solidFill>
                   <a:schemeClr val="tx1">
                     <a:tint val="82000"/>
@@ -1095,9 +972,9 @@
                 </a:solidFill>
               </a:defRPr>
             </a:lvl8pPr>
-            <a:lvl9pPr marL="3657600" indent="0">
-              <a:buNone/>
-              <a:defRPr sz="1600">
+            <a:lvl9pPr marL="2560320" indent="0">
+              <a:buNone/>
+              <a:defRPr sz="1120">
                 <a:solidFill>
                   <a:schemeClr val="tx1">
                     <a:tint val="82000"/>
@@ -1117,13 +994,7 @@
       </p:sp>
       <p:sp>
         <p:nvSpPr>
-          <p:cNvPr id="4" name="Date Placeholder 3">
-            <a:extLst>
-              <a:ext uri="{FF2B5EF4-FFF2-40B4-BE49-F238E27FC236}">
-                <a16:creationId xmlns:a16="http://schemas.microsoft.com/office/drawing/2014/main" id="{8D6CB845-C4ED-EB13-0BC0-BCF1E50680C1}"/>
-              </a:ext>
-            </a:extLst>
-          </p:cNvPr>
+          <p:cNvPr id="4" name="Date Placeholder 3"/>
           <p:cNvSpPr>
             <a:spLocks noGrp="1"/>
           </p:cNvSpPr>
@@ -1138,7 +1009,7 @@
           <a:p>
             <a:fld id="{FB126E3B-FB93-A84E-B9FE-AB0F06BE8661}" type="datetimeFigureOut">
               <a:rPr lang="en-US" smtClean="0"/>
-              <a:t>9/19/24</a:t>
+              <a:t>10/8/24</a:t>
             </a:fld>
             <a:endParaRPr lang="en-US"/>
           </a:p>
@@ -1146,13 +1017,7 @@
       </p:sp>
       <p:sp>
         <p:nvSpPr>
-          <p:cNvPr id="5" name="Footer Placeholder 4">
-            <a:extLst>
-              <a:ext uri="{FF2B5EF4-FFF2-40B4-BE49-F238E27FC236}">
-                <a16:creationId xmlns:a16="http://schemas.microsoft.com/office/drawing/2014/main" id="{623211A1-8E07-B911-DDCA-D3D7157940D5}"/>
-              </a:ext>
-            </a:extLst>
-          </p:cNvPr>
+          <p:cNvPr id="5" name="Footer Placeholder 4"/>
           <p:cNvSpPr>
             <a:spLocks noGrp="1"/>
           </p:cNvSpPr>
@@ -1171,13 +1036,7 @@
       </p:sp>
       <p:sp>
         <p:nvSpPr>
-          <p:cNvPr id="6" name="Slide Number Placeholder 5">
-            <a:extLst>
-              <a:ext uri="{FF2B5EF4-FFF2-40B4-BE49-F238E27FC236}">
-                <a16:creationId xmlns:a16="http://schemas.microsoft.com/office/drawing/2014/main" id="{C2F7A18A-9B25-AEDB-553D-8E8AB34A8FF3}"/>
-              </a:ext>
-            </a:extLst>
-          </p:cNvPr>
+          <p:cNvPr id="6" name="Slide Number Placeholder 5"/>
           <p:cNvSpPr>
             <a:spLocks noGrp="1"/>
           </p:cNvSpPr>
@@ -1201,7 +1060,7 @@
     </p:spTree>
     <p:extLst>
       <p:ext uri="{BB962C8B-B14F-4D97-AF65-F5344CB8AC3E}">
-        <p14:creationId xmlns:p14="http://schemas.microsoft.com/office/powerpoint/2010/main" val="2531436458"/>
+        <p14:creationId xmlns:p14="http://schemas.microsoft.com/office/powerpoint/2010/main" val="2587974160"/>
       </p:ext>
     </p:extLst>
   </p:cSld>
@@ -1230,13 +1089,7 @@
       </p:grpSpPr>
       <p:sp>
         <p:nvSpPr>
-          <p:cNvPr id="2" name="Title 1">
-            <a:extLst>
-              <a:ext uri="{FF2B5EF4-FFF2-40B4-BE49-F238E27FC236}">
-                <a16:creationId xmlns:a16="http://schemas.microsoft.com/office/drawing/2014/main" id="{48407A86-A77D-CA30-07AE-A1C1702C8267}"/>
-              </a:ext>
-            </a:extLst>
-          </p:cNvPr>
+          <p:cNvPr id="2" name="Title 1"/>
           <p:cNvSpPr>
             <a:spLocks noGrp="1"/>
           </p:cNvSpPr>
@@ -1253,18 +1106,13 @@
               <a:rPr lang="en-US"/>
               <a:t>Click to edit Master title style</a:t>
             </a:r>
-          </a:p>
-        </p:txBody>
-      </p:sp>
-      <p:sp>
-        <p:nvSpPr>
-          <p:cNvPr id="3" name="Content Placeholder 2">
-            <a:extLst>
-              <a:ext uri="{FF2B5EF4-FFF2-40B4-BE49-F238E27FC236}">
-                <a16:creationId xmlns:a16="http://schemas.microsoft.com/office/drawing/2014/main" id="{334AA581-60F5-456F-B2DA-A5A721A0D3D9}"/>
-              </a:ext>
-            </a:extLst>
-          </p:cNvPr>
+            <a:endParaRPr lang="en-US" dirty="0"/>
+          </a:p>
+        </p:txBody>
+      </p:sp>
+      <p:sp>
+        <p:nvSpPr>
+          <p:cNvPr id="3" name="Content Placeholder 2"/>
           <p:cNvSpPr>
             <a:spLocks noGrp="1"/>
           </p:cNvSpPr>
@@ -1274,8 +1122,8 @@
         </p:nvSpPr>
         <p:spPr>
           <a:xfrm>
-            <a:off x="838200" y="1825625"/>
-            <a:ext cx="5181600" cy="4351338"/>
+            <a:off x="440055" y="2921000"/>
+            <a:ext cx="2720340" cy="6962141"/>
           </a:xfrm>
         </p:spPr>
         <p:txBody>
@@ -1315,18 +1163,13 @@
               <a:rPr lang="en-US"/>
               <a:t>Fifth level</a:t>
             </a:r>
-          </a:p>
-        </p:txBody>
-      </p:sp>
-      <p:sp>
-        <p:nvSpPr>
-          <p:cNvPr id="4" name="Content Placeholder 3">
-            <a:extLst>
-              <a:ext uri="{FF2B5EF4-FFF2-40B4-BE49-F238E27FC236}">
-                <a16:creationId xmlns:a16="http://schemas.microsoft.com/office/drawing/2014/main" id="{5E331E31-D129-B569-B014-7B1D25CC4E3A}"/>
-              </a:ext>
-            </a:extLst>
-          </p:cNvPr>
+            <a:endParaRPr lang="en-US" dirty="0"/>
+          </a:p>
+        </p:txBody>
+      </p:sp>
+      <p:sp>
+        <p:nvSpPr>
+          <p:cNvPr id="4" name="Content Placeholder 3"/>
           <p:cNvSpPr>
             <a:spLocks noGrp="1"/>
           </p:cNvSpPr>
@@ -1336,8 +1179,8 @@
         </p:nvSpPr>
         <p:spPr>
           <a:xfrm>
-            <a:off x="6172200" y="1825625"/>
-            <a:ext cx="5181600" cy="4351338"/>
+            <a:off x="3240405" y="2921000"/>
+            <a:ext cx="2720340" cy="6962141"/>
           </a:xfrm>
         </p:spPr>
         <p:txBody>
@@ -1377,18 +1220,13 @@
               <a:rPr lang="en-US"/>
               <a:t>Fifth level</a:t>
             </a:r>
-          </a:p>
-        </p:txBody>
-      </p:sp>
-      <p:sp>
-        <p:nvSpPr>
-          <p:cNvPr id="5" name="Date Placeholder 4">
-            <a:extLst>
-              <a:ext uri="{FF2B5EF4-FFF2-40B4-BE49-F238E27FC236}">
-                <a16:creationId xmlns:a16="http://schemas.microsoft.com/office/drawing/2014/main" id="{0A21D0A5-2A5A-A348-48D1-00471D41C57E}"/>
-              </a:ext>
-            </a:extLst>
-          </p:cNvPr>
+            <a:endParaRPr lang="en-US" dirty="0"/>
+          </a:p>
+        </p:txBody>
+      </p:sp>
+      <p:sp>
+        <p:nvSpPr>
+          <p:cNvPr id="5" name="Date Placeholder 4"/>
           <p:cNvSpPr>
             <a:spLocks noGrp="1"/>
           </p:cNvSpPr>
@@ -1403,7 +1241,7 @@
           <a:p>
             <a:fld id="{FB126E3B-FB93-A84E-B9FE-AB0F06BE8661}" type="datetimeFigureOut">
               <a:rPr lang="en-US" smtClean="0"/>
-              <a:t>9/19/24</a:t>
+              <a:t>10/8/24</a:t>
             </a:fld>
             <a:endParaRPr lang="en-US"/>
           </a:p>
@@ -1411,13 +1249,7 @@
       </p:sp>
       <p:sp>
         <p:nvSpPr>
-          <p:cNvPr id="6" name="Footer Placeholder 5">
-            <a:extLst>
-              <a:ext uri="{FF2B5EF4-FFF2-40B4-BE49-F238E27FC236}">
-                <a16:creationId xmlns:a16="http://schemas.microsoft.com/office/drawing/2014/main" id="{0FE2C487-AF58-FB7E-57D4-7CFE19EA3525}"/>
-              </a:ext>
-            </a:extLst>
-          </p:cNvPr>
+          <p:cNvPr id="6" name="Footer Placeholder 5"/>
           <p:cNvSpPr>
             <a:spLocks noGrp="1"/>
           </p:cNvSpPr>
@@ -1436,13 +1268,7 @@
       </p:sp>
       <p:sp>
         <p:nvSpPr>
-          <p:cNvPr id="7" name="Slide Number Placeholder 6">
-            <a:extLst>
-              <a:ext uri="{FF2B5EF4-FFF2-40B4-BE49-F238E27FC236}">
-                <a16:creationId xmlns:a16="http://schemas.microsoft.com/office/drawing/2014/main" id="{B0A36E0C-27F1-9DFB-F6A0-1034F06FB69D}"/>
-              </a:ext>
-            </a:extLst>
-          </p:cNvPr>
+          <p:cNvPr id="7" name="Slide Number Placeholder 6"/>
           <p:cNvSpPr>
             <a:spLocks noGrp="1"/>
           </p:cNvSpPr>
@@ -1466,7 +1292,7 @@
     </p:spTree>
     <p:extLst>
       <p:ext uri="{BB962C8B-B14F-4D97-AF65-F5344CB8AC3E}">
-        <p14:creationId xmlns:p14="http://schemas.microsoft.com/office/powerpoint/2010/main" val="592463766"/>
+        <p14:creationId xmlns:p14="http://schemas.microsoft.com/office/powerpoint/2010/main" val="1617561947"/>
       </p:ext>
     </p:extLst>
   </p:cSld>
@@ -1495,13 +1321,7 @@
       </p:grpSpPr>
       <p:sp>
         <p:nvSpPr>
-          <p:cNvPr id="2" name="Title 1">
-            <a:extLst>
-              <a:ext uri="{FF2B5EF4-FFF2-40B4-BE49-F238E27FC236}">
-                <a16:creationId xmlns:a16="http://schemas.microsoft.com/office/drawing/2014/main" id="{38C03129-AC41-BE54-6AB2-9C3FBC794A0B}"/>
-              </a:ext>
-            </a:extLst>
-          </p:cNvPr>
+          <p:cNvPr id="2" name="Title 1"/>
           <p:cNvSpPr>
             <a:spLocks noGrp="1"/>
           </p:cNvSpPr>
@@ -1511,8 +1331,8 @@
         </p:nvSpPr>
         <p:spPr>
           <a:xfrm>
-            <a:off x="839788" y="365125"/>
-            <a:ext cx="10515600" cy="1325563"/>
+            <a:off x="440889" y="584202"/>
+            <a:ext cx="5520690" cy="2120901"/>
           </a:xfrm>
         </p:spPr>
         <p:txBody>
@@ -1523,18 +1343,13 @@
               <a:rPr lang="en-US"/>
               <a:t>Click to edit Master title style</a:t>
             </a:r>
-          </a:p>
-        </p:txBody>
-      </p:sp>
-      <p:sp>
-        <p:nvSpPr>
-          <p:cNvPr id="3" name="Text Placeholder 2">
-            <a:extLst>
-              <a:ext uri="{FF2B5EF4-FFF2-40B4-BE49-F238E27FC236}">
-                <a16:creationId xmlns:a16="http://schemas.microsoft.com/office/drawing/2014/main" id="{2FE14620-18C7-D937-8C58-7550C2A6CB95}"/>
-              </a:ext>
-            </a:extLst>
-          </p:cNvPr>
+            <a:endParaRPr lang="en-US" dirty="0"/>
+          </a:p>
+        </p:txBody>
+      </p:sp>
+      <p:sp>
+        <p:nvSpPr>
+          <p:cNvPr id="3" name="Text Placeholder 2"/>
           <p:cNvSpPr>
             <a:spLocks noGrp="1"/>
           </p:cNvSpPr>
@@ -1544,8 +1359,8 @@
         </p:nvSpPr>
         <p:spPr>
           <a:xfrm>
-            <a:off x="839788" y="1681163"/>
-            <a:ext cx="5157787" cy="823912"/>
+            <a:off x="440889" y="2689861"/>
+            <a:ext cx="2707838" cy="1318259"/>
           </a:xfrm>
         </p:spPr>
         <p:txBody>
@@ -1553,39 +1368,39 @@
           <a:lstStyle>
             <a:lvl1pPr marL="0" indent="0">
               <a:buNone/>
-              <a:defRPr sz="2400" b="1"/>
+              <a:defRPr sz="1680" b="1"/>
             </a:lvl1pPr>
-            <a:lvl2pPr marL="457200" indent="0">
-              <a:buNone/>
-              <a:defRPr sz="2000" b="1"/>
+            <a:lvl2pPr marL="320040" indent="0">
+              <a:buNone/>
+              <a:defRPr sz="1400" b="1"/>
             </a:lvl2pPr>
-            <a:lvl3pPr marL="914400" indent="0">
-              <a:buNone/>
-              <a:defRPr sz="1800" b="1"/>
+            <a:lvl3pPr marL="640080" indent="0">
+              <a:buNone/>
+              <a:defRPr sz="1260" b="1"/>
             </a:lvl3pPr>
-            <a:lvl4pPr marL="1371600" indent="0">
-              <a:buNone/>
-              <a:defRPr sz="1600" b="1"/>
+            <a:lvl4pPr marL="960120" indent="0">
+              <a:buNone/>
+              <a:defRPr sz="1120" b="1"/>
             </a:lvl4pPr>
-            <a:lvl5pPr marL="1828800" indent="0">
-              <a:buNone/>
-              <a:defRPr sz="1600" b="1"/>
+            <a:lvl5pPr marL="1280160" indent="0">
+              <a:buNone/>
+              <a:defRPr sz="1120" b="1"/>
             </a:lvl5pPr>
-            <a:lvl6pPr marL="2286000" indent="0">
-              <a:buNone/>
-              <a:defRPr sz="1600" b="1"/>
+            <a:lvl6pPr marL="1600200" indent="0">
+              <a:buNone/>
+              <a:defRPr sz="1120" b="1"/>
             </a:lvl6pPr>
-            <a:lvl7pPr marL="2743200" indent="0">
-              <a:buNone/>
-              <a:defRPr sz="1600" b="1"/>
+            <a:lvl7pPr marL="1920240" indent="0">
+              <a:buNone/>
+              <a:defRPr sz="1120" b="1"/>
             </a:lvl7pPr>
-            <a:lvl8pPr marL="3200400" indent="0">
-              <a:buNone/>
-              <a:defRPr sz="1600" b="1"/>
+            <a:lvl8pPr marL="2240280" indent="0">
+              <a:buNone/>
+              <a:defRPr sz="1120" b="1"/>
             </a:lvl8pPr>
-            <a:lvl9pPr marL="3657600" indent="0">
-              <a:buNone/>
-              <a:defRPr sz="1600" b="1"/>
+            <a:lvl9pPr marL="2560320" indent="0">
+              <a:buNone/>
+              <a:defRPr sz="1120" b="1"/>
             </a:lvl9pPr>
           </a:lstStyle>
           <a:p>
@@ -1599,13 +1414,7 @@
       </p:sp>
       <p:sp>
         <p:nvSpPr>
-          <p:cNvPr id="4" name="Content Placeholder 3">
-            <a:extLst>
-              <a:ext uri="{FF2B5EF4-FFF2-40B4-BE49-F238E27FC236}">
-                <a16:creationId xmlns:a16="http://schemas.microsoft.com/office/drawing/2014/main" id="{F7A5ED3E-1C3C-97F3-6AF1-2B11B1EF009C}"/>
-              </a:ext>
-            </a:extLst>
-          </p:cNvPr>
+          <p:cNvPr id="4" name="Content Placeholder 3"/>
           <p:cNvSpPr>
             <a:spLocks noGrp="1"/>
           </p:cNvSpPr>
@@ -1615,8 +1424,8 @@
         </p:nvSpPr>
         <p:spPr>
           <a:xfrm>
-            <a:off x="839788" y="2505075"/>
-            <a:ext cx="5157787" cy="3684588"/>
+            <a:off x="440889" y="4008120"/>
+            <a:ext cx="2707838" cy="5895341"/>
           </a:xfrm>
         </p:spPr>
         <p:txBody>
@@ -1656,18 +1465,13 @@
               <a:rPr lang="en-US"/>
               <a:t>Fifth level</a:t>
             </a:r>
-          </a:p>
-        </p:txBody>
-      </p:sp>
-      <p:sp>
-        <p:nvSpPr>
-          <p:cNvPr id="5" name="Text Placeholder 4">
-            <a:extLst>
-              <a:ext uri="{FF2B5EF4-FFF2-40B4-BE49-F238E27FC236}">
-                <a16:creationId xmlns:a16="http://schemas.microsoft.com/office/drawing/2014/main" id="{5E49D00D-C4E2-5EEF-EA72-CAFEFD42848D}"/>
-              </a:ext>
-            </a:extLst>
-          </p:cNvPr>
+            <a:endParaRPr lang="en-US" dirty="0"/>
+          </a:p>
+        </p:txBody>
+      </p:sp>
+      <p:sp>
+        <p:nvSpPr>
+          <p:cNvPr id="5" name="Text Placeholder 4"/>
           <p:cNvSpPr>
             <a:spLocks noGrp="1"/>
           </p:cNvSpPr>
@@ -1677,8 +1481,8 @@
         </p:nvSpPr>
         <p:spPr>
           <a:xfrm>
-            <a:off x="6172200" y="1681163"/>
-            <a:ext cx="5183188" cy="823912"/>
+            <a:off x="3240405" y="2689861"/>
+            <a:ext cx="2721174" cy="1318259"/>
           </a:xfrm>
         </p:spPr>
         <p:txBody>
@@ -1686,39 +1490,39 @@
           <a:lstStyle>
             <a:lvl1pPr marL="0" indent="0">
               <a:buNone/>
-              <a:defRPr sz="2400" b="1"/>
+              <a:defRPr sz="1680" b="1"/>
             </a:lvl1pPr>
-            <a:lvl2pPr marL="457200" indent="0">
-              <a:buNone/>
-              <a:defRPr sz="2000" b="1"/>
+            <a:lvl2pPr marL="320040" indent="0">
+              <a:buNone/>
+              <a:defRPr sz="1400" b="1"/>
             </a:lvl2pPr>
-            <a:lvl3pPr marL="914400" indent="0">
-              <a:buNone/>
-              <a:defRPr sz="1800" b="1"/>
+            <a:lvl3pPr marL="640080" indent="0">
+              <a:buNone/>
+              <a:defRPr sz="1260" b="1"/>
             </a:lvl3pPr>
-            <a:lvl4pPr marL="1371600" indent="0">
-              <a:buNone/>
-              <a:defRPr sz="1600" b="1"/>
+            <a:lvl4pPr marL="960120" indent="0">
+              <a:buNone/>
+              <a:defRPr sz="1120" b="1"/>
             </a:lvl4pPr>
-            <a:lvl5pPr marL="1828800" indent="0">
-              <a:buNone/>
-              <a:defRPr sz="1600" b="1"/>
+            <a:lvl5pPr marL="1280160" indent="0">
+              <a:buNone/>
+              <a:defRPr sz="1120" b="1"/>
             </a:lvl5pPr>
-            <a:lvl6pPr marL="2286000" indent="0">
-              <a:buNone/>
-              <a:defRPr sz="1600" b="1"/>
+            <a:lvl6pPr marL="1600200" indent="0">
+              <a:buNone/>
+              <a:defRPr sz="1120" b="1"/>
             </a:lvl6pPr>
-            <a:lvl7pPr marL="2743200" indent="0">
-              <a:buNone/>
-              <a:defRPr sz="1600" b="1"/>
+            <a:lvl7pPr marL="1920240" indent="0">
+              <a:buNone/>
+              <a:defRPr sz="1120" b="1"/>
             </a:lvl7pPr>
-            <a:lvl8pPr marL="3200400" indent="0">
-              <a:buNone/>
-              <a:defRPr sz="1600" b="1"/>
+            <a:lvl8pPr marL="2240280" indent="0">
+              <a:buNone/>
+              <a:defRPr sz="1120" b="1"/>
             </a:lvl8pPr>
-            <a:lvl9pPr marL="3657600" indent="0">
-              <a:buNone/>
-              <a:defRPr sz="1600" b="1"/>
+            <a:lvl9pPr marL="2560320" indent="0">
+              <a:buNone/>
+              <a:defRPr sz="1120" b="1"/>
             </a:lvl9pPr>
           </a:lstStyle>
           <a:p>
@@ -1732,13 +1536,7 @@
       </p:sp>
       <p:sp>
         <p:nvSpPr>
-          <p:cNvPr id="6" name="Content Placeholder 5">
-            <a:extLst>
-              <a:ext uri="{FF2B5EF4-FFF2-40B4-BE49-F238E27FC236}">
-                <a16:creationId xmlns:a16="http://schemas.microsoft.com/office/drawing/2014/main" id="{838EB4F3-228D-C532-3F42-26FB1A0C7B99}"/>
-              </a:ext>
-            </a:extLst>
-          </p:cNvPr>
+          <p:cNvPr id="6" name="Content Placeholder 5"/>
           <p:cNvSpPr>
             <a:spLocks noGrp="1"/>
           </p:cNvSpPr>
@@ -1748,8 +1546,8 @@
         </p:nvSpPr>
         <p:spPr>
           <a:xfrm>
-            <a:off x="6172200" y="2505075"/>
-            <a:ext cx="5183188" cy="3684588"/>
+            <a:off x="3240405" y="4008120"/>
+            <a:ext cx="2721174" cy="5895341"/>
           </a:xfrm>
         </p:spPr>
         <p:txBody>
@@ -1789,18 +1587,13 @@
               <a:rPr lang="en-US"/>
               <a:t>Fifth level</a:t>
             </a:r>
-          </a:p>
-        </p:txBody>
-      </p:sp>
-      <p:sp>
-        <p:nvSpPr>
-          <p:cNvPr id="7" name="Date Placeholder 6">
-            <a:extLst>
-              <a:ext uri="{FF2B5EF4-FFF2-40B4-BE49-F238E27FC236}">
-                <a16:creationId xmlns:a16="http://schemas.microsoft.com/office/drawing/2014/main" id="{90C12892-C3DD-0AA4-3E89-93CE621D04D5}"/>
-              </a:ext>
-            </a:extLst>
-          </p:cNvPr>
+            <a:endParaRPr lang="en-US" dirty="0"/>
+          </a:p>
+        </p:txBody>
+      </p:sp>
+      <p:sp>
+        <p:nvSpPr>
+          <p:cNvPr id="7" name="Date Placeholder 6"/>
           <p:cNvSpPr>
             <a:spLocks noGrp="1"/>
           </p:cNvSpPr>
@@ -1815,7 +1608,7 @@
           <a:p>
             <a:fld id="{FB126E3B-FB93-A84E-B9FE-AB0F06BE8661}" type="datetimeFigureOut">
               <a:rPr lang="en-US" smtClean="0"/>
-              <a:t>9/19/24</a:t>
+              <a:t>10/8/24</a:t>
             </a:fld>
             <a:endParaRPr lang="en-US"/>
           </a:p>
@@ -1823,13 +1616,7 @@
       </p:sp>
       <p:sp>
         <p:nvSpPr>
-          <p:cNvPr id="8" name="Footer Placeholder 7">
-            <a:extLst>
-              <a:ext uri="{FF2B5EF4-FFF2-40B4-BE49-F238E27FC236}">
-                <a16:creationId xmlns:a16="http://schemas.microsoft.com/office/drawing/2014/main" id="{1A630191-91AF-B548-5A7C-2505474F2D1C}"/>
-              </a:ext>
-            </a:extLst>
-          </p:cNvPr>
+          <p:cNvPr id="8" name="Footer Placeholder 7"/>
           <p:cNvSpPr>
             <a:spLocks noGrp="1"/>
           </p:cNvSpPr>
@@ -1848,13 +1635,7 @@
       </p:sp>
       <p:sp>
         <p:nvSpPr>
-          <p:cNvPr id="9" name="Slide Number Placeholder 8">
-            <a:extLst>
-              <a:ext uri="{FF2B5EF4-FFF2-40B4-BE49-F238E27FC236}">
-                <a16:creationId xmlns:a16="http://schemas.microsoft.com/office/drawing/2014/main" id="{267147B3-29B5-FB59-BDAA-C055574BCB9E}"/>
-              </a:ext>
-            </a:extLst>
-          </p:cNvPr>
+          <p:cNvPr id="9" name="Slide Number Placeholder 8"/>
           <p:cNvSpPr>
             <a:spLocks noGrp="1"/>
           </p:cNvSpPr>
@@ -1878,7 +1659,7 @@
     </p:spTree>
     <p:extLst>
       <p:ext uri="{BB962C8B-B14F-4D97-AF65-F5344CB8AC3E}">
-        <p14:creationId xmlns:p14="http://schemas.microsoft.com/office/powerpoint/2010/main" val="137560725"/>
+        <p14:creationId xmlns:p14="http://schemas.microsoft.com/office/powerpoint/2010/main" val="1185302952"/>
       </p:ext>
     </p:extLst>
   </p:cSld>
@@ -1907,13 +1688,7 @@
       </p:grpSpPr>
       <p:sp>
         <p:nvSpPr>
-          <p:cNvPr id="2" name="Title 1">
-            <a:extLst>
-              <a:ext uri="{FF2B5EF4-FFF2-40B4-BE49-F238E27FC236}">
-                <a16:creationId xmlns:a16="http://schemas.microsoft.com/office/drawing/2014/main" id="{0EBFEABD-9C9F-E090-5A7C-F26CFDDDD231}"/>
-              </a:ext>
-            </a:extLst>
-          </p:cNvPr>
+          <p:cNvPr id="2" name="Title 1"/>
           <p:cNvSpPr>
             <a:spLocks noGrp="1"/>
           </p:cNvSpPr>
@@ -1930,18 +1705,13 @@
               <a:rPr lang="en-US"/>
               <a:t>Click to edit Master title style</a:t>
             </a:r>
-          </a:p>
-        </p:txBody>
-      </p:sp>
-      <p:sp>
-        <p:nvSpPr>
-          <p:cNvPr id="3" name="Date Placeholder 2">
-            <a:extLst>
-              <a:ext uri="{FF2B5EF4-FFF2-40B4-BE49-F238E27FC236}">
-                <a16:creationId xmlns:a16="http://schemas.microsoft.com/office/drawing/2014/main" id="{EB73EB93-8CE3-8DF7-514F-C0DF313B673C}"/>
-              </a:ext>
-            </a:extLst>
-          </p:cNvPr>
+            <a:endParaRPr lang="en-US" dirty="0"/>
+          </a:p>
+        </p:txBody>
+      </p:sp>
+      <p:sp>
+        <p:nvSpPr>
+          <p:cNvPr id="3" name="Date Placeholder 2"/>
           <p:cNvSpPr>
             <a:spLocks noGrp="1"/>
           </p:cNvSpPr>
@@ -1956,7 +1726,7 @@
           <a:p>
             <a:fld id="{FB126E3B-FB93-A84E-B9FE-AB0F06BE8661}" type="datetimeFigureOut">
               <a:rPr lang="en-US" smtClean="0"/>
-              <a:t>9/19/24</a:t>
+              <a:t>10/8/24</a:t>
             </a:fld>
             <a:endParaRPr lang="en-US"/>
           </a:p>
@@ -1964,13 +1734,7 @@
       </p:sp>
       <p:sp>
         <p:nvSpPr>
-          <p:cNvPr id="4" name="Footer Placeholder 3">
-            <a:extLst>
-              <a:ext uri="{FF2B5EF4-FFF2-40B4-BE49-F238E27FC236}">
-                <a16:creationId xmlns:a16="http://schemas.microsoft.com/office/drawing/2014/main" id="{1AD760BC-F472-999F-5934-9D044A916431}"/>
-              </a:ext>
-            </a:extLst>
-          </p:cNvPr>
+          <p:cNvPr id="4" name="Footer Placeholder 3"/>
           <p:cNvSpPr>
             <a:spLocks noGrp="1"/>
           </p:cNvSpPr>
@@ -1989,13 +1753,7 @@
       </p:sp>
       <p:sp>
         <p:nvSpPr>
-          <p:cNvPr id="5" name="Slide Number Placeholder 4">
-            <a:extLst>
-              <a:ext uri="{FF2B5EF4-FFF2-40B4-BE49-F238E27FC236}">
-                <a16:creationId xmlns:a16="http://schemas.microsoft.com/office/drawing/2014/main" id="{B651E27A-7AE1-DB77-90AD-0BA3F990341A}"/>
-              </a:ext>
-            </a:extLst>
-          </p:cNvPr>
+          <p:cNvPr id="5" name="Slide Number Placeholder 4"/>
           <p:cNvSpPr>
             <a:spLocks noGrp="1"/>
           </p:cNvSpPr>
@@ -2019,7 +1777,7 @@
     </p:spTree>
     <p:extLst>
       <p:ext uri="{BB962C8B-B14F-4D97-AF65-F5344CB8AC3E}">
-        <p14:creationId xmlns:p14="http://schemas.microsoft.com/office/powerpoint/2010/main" val="2611611005"/>
+        <p14:creationId xmlns:p14="http://schemas.microsoft.com/office/powerpoint/2010/main" val="1757857886"/>
       </p:ext>
     </p:extLst>
   </p:cSld>
@@ -2048,13 +1806,7 @@
       </p:grpSpPr>
       <p:sp>
         <p:nvSpPr>
-          <p:cNvPr id="2" name="Date Placeholder 1">
-            <a:extLst>
-              <a:ext uri="{FF2B5EF4-FFF2-40B4-BE49-F238E27FC236}">
-                <a16:creationId xmlns:a16="http://schemas.microsoft.com/office/drawing/2014/main" id="{25F94A97-F472-DD72-DFCE-E9B0F8126E71}"/>
-              </a:ext>
-            </a:extLst>
-          </p:cNvPr>
+          <p:cNvPr id="2" name="Date Placeholder 1"/>
           <p:cNvSpPr>
             <a:spLocks noGrp="1"/>
           </p:cNvSpPr>
@@ -2069,7 +1821,7 @@
           <a:p>
             <a:fld id="{FB126E3B-FB93-A84E-B9FE-AB0F06BE8661}" type="datetimeFigureOut">
               <a:rPr lang="en-US" smtClean="0"/>
-              <a:t>9/19/24</a:t>
+              <a:t>10/8/24</a:t>
             </a:fld>
             <a:endParaRPr lang="en-US"/>
           </a:p>
@@ -2077,13 +1829,7 @@
       </p:sp>
       <p:sp>
         <p:nvSpPr>
-          <p:cNvPr id="3" name="Footer Placeholder 2">
-            <a:extLst>
-              <a:ext uri="{FF2B5EF4-FFF2-40B4-BE49-F238E27FC236}">
-                <a16:creationId xmlns:a16="http://schemas.microsoft.com/office/drawing/2014/main" id="{4CD9B233-E946-824D-2DDD-F0B2302528A5}"/>
-              </a:ext>
-            </a:extLst>
-          </p:cNvPr>
+          <p:cNvPr id="3" name="Footer Placeholder 2"/>
           <p:cNvSpPr>
             <a:spLocks noGrp="1"/>
           </p:cNvSpPr>
@@ -2102,13 +1848,7 @@
       </p:sp>
       <p:sp>
         <p:nvSpPr>
-          <p:cNvPr id="4" name="Slide Number Placeholder 3">
-            <a:extLst>
-              <a:ext uri="{FF2B5EF4-FFF2-40B4-BE49-F238E27FC236}">
-                <a16:creationId xmlns:a16="http://schemas.microsoft.com/office/drawing/2014/main" id="{7A8C62B9-DC00-868E-AA09-7D67F75D821A}"/>
-              </a:ext>
-            </a:extLst>
-          </p:cNvPr>
+          <p:cNvPr id="4" name="Slide Number Placeholder 3"/>
           <p:cNvSpPr>
             <a:spLocks noGrp="1"/>
           </p:cNvSpPr>
@@ -2132,7 +1872,7 @@
     </p:spTree>
     <p:extLst>
       <p:ext uri="{BB962C8B-B14F-4D97-AF65-F5344CB8AC3E}">
-        <p14:creationId xmlns:p14="http://schemas.microsoft.com/office/powerpoint/2010/main" val="99337247"/>
+        <p14:creationId xmlns:p14="http://schemas.microsoft.com/office/powerpoint/2010/main" val="3514294913"/>
       </p:ext>
     </p:extLst>
   </p:cSld>
@@ -2161,13 +1901,7 @@
       </p:grpSpPr>
       <p:sp>
         <p:nvSpPr>
-          <p:cNvPr id="2" name="Title 1">
-            <a:extLst>
-              <a:ext uri="{FF2B5EF4-FFF2-40B4-BE49-F238E27FC236}">
-                <a16:creationId xmlns:a16="http://schemas.microsoft.com/office/drawing/2014/main" id="{47E4407D-9BC1-6D3A-9B5E-4813651143CD}"/>
-              </a:ext>
-            </a:extLst>
-          </p:cNvPr>
+          <p:cNvPr id="2" name="Title 1"/>
           <p:cNvSpPr>
             <a:spLocks noGrp="1"/>
           </p:cNvSpPr>
@@ -2177,15 +1911,15 @@
         </p:nvSpPr>
         <p:spPr>
           <a:xfrm>
-            <a:off x="839788" y="457200"/>
-            <a:ext cx="3932237" cy="1600200"/>
+            <a:off x="440889" y="731520"/>
+            <a:ext cx="2064425" cy="2560320"/>
           </a:xfrm>
         </p:spPr>
         <p:txBody>
           <a:bodyPr anchor="b"/>
           <a:lstStyle>
             <a:lvl1pPr>
-              <a:defRPr sz="3200"/>
+              <a:defRPr sz="2240"/>
             </a:lvl1pPr>
           </a:lstStyle>
           <a:p>
@@ -2193,18 +1927,13 @@
               <a:rPr lang="en-US"/>
               <a:t>Click to edit Master title style</a:t>
             </a:r>
-          </a:p>
-        </p:txBody>
-      </p:sp>
-      <p:sp>
-        <p:nvSpPr>
-          <p:cNvPr id="3" name="Content Placeholder 2">
-            <a:extLst>
-              <a:ext uri="{FF2B5EF4-FFF2-40B4-BE49-F238E27FC236}">
-                <a16:creationId xmlns:a16="http://schemas.microsoft.com/office/drawing/2014/main" id="{A09B7AD9-9657-4436-0128-BF0A7D69B77F}"/>
-              </a:ext>
-            </a:extLst>
-          </p:cNvPr>
+            <a:endParaRPr lang="en-US" dirty="0"/>
+          </a:p>
+        </p:txBody>
+      </p:sp>
+      <p:sp>
+        <p:nvSpPr>
+          <p:cNvPr id="3" name="Content Placeholder 2"/>
           <p:cNvSpPr>
             <a:spLocks noGrp="1"/>
           </p:cNvSpPr>
@@ -2214,39 +1943,39 @@
         </p:nvSpPr>
         <p:spPr>
           <a:xfrm>
-            <a:off x="5183188" y="987425"/>
-            <a:ext cx="6172200" cy="4873625"/>
+            <a:off x="2721174" y="1579882"/>
+            <a:ext cx="3240405" cy="7797800"/>
           </a:xfrm>
         </p:spPr>
         <p:txBody>
           <a:bodyPr/>
           <a:lstStyle>
             <a:lvl1pPr>
-              <a:defRPr sz="3200"/>
+              <a:defRPr sz="2240"/>
             </a:lvl1pPr>
             <a:lvl2pPr>
-              <a:defRPr sz="2800"/>
+              <a:defRPr sz="1960"/>
             </a:lvl2pPr>
             <a:lvl3pPr>
-              <a:defRPr sz="2400"/>
+              <a:defRPr sz="1680"/>
             </a:lvl3pPr>
             <a:lvl4pPr>
-              <a:defRPr sz="2000"/>
+              <a:defRPr sz="1400"/>
             </a:lvl4pPr>
             <a:lvl5pPr>
-              <a:defRPr sz="2000"/>
+              <a:defRPr sz="1400"/>
             </a:lvl5pPr>
             <a:lvl6pPr>
-              <a:defRPr sz="2000"/>
+              <a:defRPr sz="1400"/>
             </a:lvl6pPr>
             <a:lvl7pPr>
-              <a:defRPr sz="2000"/>
+              <a:defRPr sz="1400"/>
             </a:lvl7pPr>
             <a:lvl8pPr>
-              <a:defRPr sz="2000"/>
+              <a:defRPr sz="1400"/>
             </a:lvl8pPr>
             <a:lvl9pPr>
-              <a:defRPr sz="2000"/>
+              <a:defRPr sz="1400"/>
             </a:lvl9pPr>
           </a:lstStyle>
           <a:p>
@@ -2283,18 +2012,13 @@
               <a:rPr lang="en-US"/>
               <a:t>Fifth level</a:t>
             </a:r>
-          </a:p>
-        </p:txBody>
-      </p:sp>
-      <p:sp>
-        <p:nvSpPr>
-          <p:cNvPr id="4" name="Text Placeholder 3">
-            <a:extLst>
-              <a:ext uri="{FF2B5EF4-FFF2-40B4-BE49-F238E27FC236}">
-                <a16:creationId xmlns:a16="http://schemas.microsoft.com/office/drawing/2014/main" id="{AEE1A9F1-AC6C-184E-D61F-1E100E198304}"/>
-              </a:ext>
-            </a:extLst>
-          </p:cNvPr>
+            <a:endParaRPr lang="en-US" dirty="0"/>
+          </a:p>
+        </p:txBody>
+      </p:sp>
+      <p:sp>
+        <p:nvSpPr>
+          <p:cNvPr id="4" name="Text Placeholder 3"/>
           <p:cNvSpPr>
             <a:spLocks noGrp="1"/>
           </p:cNvSpPr>
@@ -2304,8 +2028,8 @@
         </p:nvSpPr>
         <p:spPr>
           <a:xfrm>
-            <a:off x="839788" y="2057400"/>
-            <a:ext cx="3932237" cy="3811588"/>
+            <a:off x="440889" y="3291840"/>
+            <a:ext cx="2064425" cy="6098541"/>
           </a:xfrm>
         </p:spPr>
         <p:txBody>
@@ -2313,39 +2037,39 @@
           <a:lstStyle>
             <a:lvl1pPr marL="0" indent="0">
               <a:buNone/>
-              <a:defRPr sz="1600"/>
+              <a:defRPr sz="1120"/>
             </a:lvl1pPr>
-            <a:lvl2pPr marL="457200" indent="0">
-              <a:buNone/>
-              <a:defRPr sz="1400"/>
+            <a:lvl2pPr marL="320040" indent="0">
+              <a:buNone/>
+              <a:defRPr sz="980"/>
             </a:lvl2pPr>
-            <a:lvl3pPr marL="914400" indent="0">
-              <a:buNone/>
-              <a:defRPr sz="1200"/>
+            <a:lvl3pPr marL="640080" indent="0">
+              <a:buNone/>
+              <a:defRPr sz="840"/>
             </a:lvl3pPr>
-            <a:lvl4pPr marL="1371600" indent="0">
-              <a:buNone/>
-              <a:defRPr sz="1000"/>
+            <a:lvl4pPr marL="960120" indent="0">
+              <a:buNone/>
+              <a:defRPr sz="700"/>
             </a:lvl4pPr>
-            <a:lvl5pPr marL="1828800" indent="0">
-              <a:buNone/>
-              <a:defRPr sz="1000"/>
+            <a:lvl5pPr marL="1280160" indent="0">
+              <a:buNone/>
+              <a:defRPr sz="700"/>
             </a:lvl5pPr>
-            <a:lvl6pPr marL="2286000" indent="0">
-              <a:buNone/>
-              <a:defRPr sz="1000"/>
+            <a:lvl6pPr marL="1600200" indent="0">
+              <a:buNone/>
+              <a:defRPr sz="700"/>
             </a:lvl6pPr>
-            <a:lvl7pPr marL="2743200" indent="0">
-              <a:buNone/>
-              <a:defRPr sz="1000"/>
+            <a:lvl7pPr marL="1920240" indent="0">
+              <a:buNone/>
+              <a:defRPr sz="700"/>
             </a:lvl7pPr>
-            <a:lvl8pPr marL="3200400" indent="0">
-              <a:buNone/>
-              <a:defRPr sz="1000"/>
+            <a:lvl8pPr marL="2240280" indent="0">
+              <a:buNone/>
+              <a:defRPr sz="700"/>
             </a:lvl8pPr>
-            <a:lvl9pPr marL="3657600" indent="0">
-              <a:buNone/>
-              <a:defRPr sz="1000"/>
+            <a:lvl9pPr marL="2560320" indent="0">
+              <a:buNone/>
+              <a:defRPr sz="700"/>
             </a:lvl9pPr>
           </a:lstStyle>
           <a:p>
@@ -2359,13 +2083,7 @@
       </p:sp>
       <p:sp>
         <p:nvSpPr>
-          <p:cNvPr id="5" name="Date Placeholder 4">
-            <a:extLst>
-              <a:ext uri="{FF2B5EF4-FFF2-40B4-BE49-F238E27FC236}">
-                <a16:creationId xmlns:a16="http://schemas.microsoft.com/office/drawing/2014/main" id="{CC256A18-B11E-4E35-D2A6-79C1DBCC3D40}"/>
-              </a:ext>
-            </a:extLst>
-          </p:cNvPr>
+          <p:cNvPr id="5" name="Date Placeholder 4"/>
           <p:cNvSpPr>
             <a:spLocks noGrp="1"/>
           </p:cNvSpPr>
@@ -2380,7 +2098,7 @@
           <a:p>
             <a:fld id="{FB126E3B-FB93-A84E-B9FE-AB0F06BE8661}" type="datetimeFigureOut">
               <a:rPr lang="en-US" smtClean="0"/>
-              <a:t>9/19/24</a:t>
+              <a:t>10/8/24</a:t>
             </a:fld>
             <a:endParaRPr lang="en-US"/>
           </a:p>
@@ -2388,13 +2106,7 @@
       </p:sp>
       <p:sp>
         <p:nvSpPr>
-          <p:cNvPr id="6" name="Footer Placeholder 5">
-            <a:extLst>
-              <a:ext uri="{FF2B5EF4-FFF2-40B4-BE49-F238E27FC236}">
-                <a16:creationId xmlns:a16="http://schemas.microsoft.com/office/drawing/2014/main" id="{F561759E-323F-F3D9-364A-3BE9EA9DD8FA}"/>
-              </a:ext>
-            </a:extLst>
-          </p:cNvPr>
+          <p:cNvPr id="6" name="Footer Placeholder 5"/>
           <p:cNvSpPr>
             <a:spLocks noGrp="1"/>
           </p:cNvSpPr>
@@ -2413,13 +2125,7 @@
       </p:sp>
       <p:sp>
         <p:nvSpPr>
-          <p:cNvPr id="7" name="Slide Number Placeholder 6">
-            <a:extLst>
-              <a:ext uri="{FF2B5EF4-FFF2-40B4-BE49-F238E27FC236}">
-                <a16:creationId xmlns:a16="http://schemas.microsoft.com/office/drawing/2014/main" id="{307E4F0B-8F68-A3F1-7BF2-75E943E46624}"/>
-              </a:ext>
-            </a:extLst>
-          </p:cNvPr>
+          <p:cNvPr id="7" name="Slide Number Placeholder 6"/>
           <p:cNvSpPr>
             <a:spLocks noGrp="1"/>
           </p:cNvSpPr>
@@ -2443,7 +2149,7 @@
     </p:spTree>
     <p:extLst>
       <p:ext uri="{BB962C8B-B14F-4D97-AF65-F5344CB8AC3E}">
-        <p14:creationId xmlns:p14="http://schemas.microsoft.com/office/powerpoint/2010/main" val="787287640"/>
+        <p14:creationId xmlns:p14="http://schemas.microsoft.com/office/powerpoint/2010/main" val="3814774699"/>
       </p:ext>
     </p:extLst>
   </p:cSld>
@@ -2472,13 +2178,7 @@
       </p:grpSpPr>
       <p:sp>
         <p:nvSpPr>
-          <p:cNvPr id="2" name="Title 1">
-            <a:extLst>
-              <a:ext uri="{FF2B5EF4-FFF2-40B4-BE49-F238E27FC236}">
-                <a16:creationId xmlns:a16="http://schemas.microsoft.com/office/drawing/2014/main" id="{FE38A26A-BDBA-94B6-D0A7-500B9A9CD37B}"/>
-              </a:ext>
-            </a:extLst>
-          </p:cNvPr>
+          <p:cNvPr id="2" name="Title 1"/>
           <p:cNvSpPr>
             <a:spLocks noGrp="1"/>
           </p:cNvSpPr>
@@ -2488,15 +2188,15 @@
         </p:nvSpPr>
         <p:spPr>
           <a:xfrm>
-            <a:off x="839788" y="457200"/>
-            <a:ext cx="3932237" cy="1600200"/>
+            <a:off x="440889" y="731520"/>
+            <a:ext cx="2064425" cy="2560320"/>
           </a:xfrm>
         </p:spPr>
         <p:txBody>
           <a:bodyPr anchor="b"/>
           <a:lstStyle>
             <a:lvl1pPr>
-              <a:defRPr sz="3200"/>
+              <a:defRPr sz="2240"/>
             </a:lvl1pPr>
           </a:lstStyle>
           <a:p>
@@ -2504,20 +2204,15 @@
               <a:rPr lang="en-US"/>
               <a:t>Click to edit Master title style</a:t>
             </a:r>
-          </a:p>
-        </p:txBody>
-      </p:sp>
-      <p:sp>
-        <p:nvSpPr>
-          <p:cNvPr id="3" name="Picture Placeholder 2">
-            <a:extLst>
-              <a:ext uri="{FF2B5EF4-FFF2-40B4-BE49-F238E27FC236}">
-                <a16:creationId xmlns:a16="http://schemas.microsoft.com/office/drawing/2014/main" id="{8BD92740-0625-D726-8042-E56148BB856A}"/>
-              </a:ext>
-            </a:extLst>
-          </p:cNvPr>
-          <p:cNvSpPr>
-            <a:spLocks noGrp="1"/>
+            <a:endParaRPr lang="en-US" dirty="0"/>
+          </a:p>
+        </p:txBody>
+      </p:sp>
+      <p:sp>
+        <p:nvSpPr>
+          <p:cNvPr id="3" name="Picture Placeholder 2"/>
+          <p:cNvSpPr>
+            <a:spLocks noGrp="1" noChangeAspect="1"/>
           </p:cNvSpPr>
           <p:nvPr>
             <p:ph type="pic" idx="1"/>
@@ -2525,64 +2220,62 @@
         </p:nvSpPr>
         <p:spPr>
           <a:xfrm>
-            <a:off x="5183188" y="987425"/>
-            <a:ext cx="6172200" cy="4873625"/>
+            <a:off x="2721174" y="1579882"/>
+            <a:ext cx="3240405" cy="7797800"/>
           </a:xfrm>
         </p:spPr>
         <p:txBody>
-          <a:bodyPr/>
+          <a:bodyPr anchor="t"/>
           <a:lstStyle>
             <a:lvl1pPr marL="0" indent="0">
               <a:buNone/>
-              <a:defRPr sz="3200"/>
+              <a:defRPr sz="2240"/>
             </a:lvl1pPr>
-            <a:lvl2pPr marL="457200" indent="0">
-              <a:buNone/>
-              <a:defRPr sz="2800"/>
+            <a:lvl2pPr marL="320040" indent="0">
+              <a:buNone/>
+              <a:defRPr sz="1960"/>
             </a:lvl2pPr>
-            <a:lvl3pPr marL="914400" indent="0">
-              <a:buNone/>
-              <a:defRPr sz="2400"/>
+            <a:lvl3pPr marL="640080" indent="0">
+              <a:buNone/>
+              <a:defRPr sz="1680"/>
             </a:lvl3pPr>
-            <a:lvl4pPr marL="1371600" indent="0">
-              <a:buNone/>
-              <a:defRPr sz="2000"/>
+            <a:lvl4pPr marL="960120" indent="0">
+              <a:buNone/>
+              <a:defRPr sz="1400"/>
             </a:lvl4pPr>
-            <a:lvl5pPr marL="1828800" indent="0">
-              <a:buNone/>
-              <a:defRPr sz="2000"/>
+            <a:lvl5pPr marL="1280160" indent="0">
+              <a:buNone/>
+              <a:defRPr sz="1400"/>
             </a:lvl5pPr>
-            <a:lvl6pPr marL="2286000" indent="0">
-              <a:buNone/>
-              <a:defRPr sz="2000"/>
+            <a:lvl6pPr marL="1600200" indent="0">
+              <a:buNone/>
+              <a:defRPr sz="1400"/>
             </a:lvl6pPr>
-            <a:lvl7pPr marL="2743200" indent="0">
-              <a:buNone/>
-              <a:defRPr sz="2000"/>
+            <a:lvl7pPr marL="1920240" indent="0">
+              <a:buNone/>
+              <a:defRPr sz="1400"/>
             </a:lvl7pPr>
-            <a:lvl8pPr marL="3200400" indent="0">
-              <a:buNone/>
-              <a:defRPr sz="2000"/>
+            <a:lvl8pPr marL="2240280" indent="0">
+              <a:buNone/>
+              <a:defRPr sz="1400"/>
             </a:lvl8pPr>
-            <a:lvl9pPr marL="3657600" indent="0">
-              <a:buNone/>
-              <a:defRPr sz="2000"/>
+            <a:lvl9pPr marL="2560320" indent="0">
+              <a:buNone/>
+              <a:defRPr sz="1400"/>
             </a:lvl9pPr>
           </a:lstStyle>
           <a:p>
-            <a:endParaRPr lang="en-US"/>
-          </a:p>
-        </p:txBody>
-      </p:sp>
-      <p:sp>
-        <p:nvSpPr>
-          <p:cNvPr id="4" name="Text Placeholder 3">
-            <a:extLst>
-              <a:ext uri="{FF2B5EF4-FFF2-40B4-BE49-F238E27FC236}">
-                <a16:creationId xmlns:a16="http://schemas.microsoft.com/office/drawing/2014/main" id="{B58A38AF-0549-ED38-FC11-61673B1273FD}"/>
-              </a:ext>
-            </a:extLst>
-          </p:cNvPr>
+            <a:r>
+              <a:rPr lang="en-US"/>
+              <a:t>Click icon to add picture</a:t>
+            </a:r>
+            <a:endParaRPr lang="en-US" dirty="0"/>
+          </a:p>
+        </p:txBody>
+      </p:sp>
+      <p:sp>
+        <p:nvSpPr>
+          <p:cNvPr id="4" name="Text Placeholder 3"/>
           <p:cNvSpPr>
             <a:spLocks noGrp="1"/>
           </p:cNvSpPr>
@@ -2592,8 +2285,8 @@
         </p:nvSpPr>
         <p:spPr>
           <a:xfrm>
-            <a:off x="839788" y="2057400"/>
-            <a:ext cx="3932237" cy="3811588"/>
+            <a:off x="440889" y="3291840"/>
+            <a:ext cx="2064425" cy="6098541"/>
           </a:xfrm>
         </p:spPr>
         <p:txBody>
@@ -2601,39 +2294,39 @@
           <a:lstStyle>
             <a:lvl1pPr marL="0" indent="0">
               <a:buNone/>
-              <a:defRPr sz="1600"/>
+              <a:defRPr sz="1120"/>
             </a:lvl1pPr>
-            <a:lvl2pPr marL="457200" indent="0">
-              <a:buNone/>
-              <a:defRPr sz="1400"/>
+            <a:lvl2pPr marL="320040" indent="0">
+              <a:buNone/>
+              <a:defRPr sz="980"/>
             </a:lvl2pPr>
-            <a:lvl3pPr marL="914400" indent="0">
-              <a:buNone/>
-              <a:defRPr sz="1200"/>
+            <a:lvl3pPr marL="640080" indent="0">
+              <a:buNone/>
+              <a:defRPr sz="840"/>
             </a:lvl3pPr>
-            <a:lvl4pPr marL="1371600" indent="0">
-              <a:buNone/>
-              <a:defRPr sz="1000"/>
+            <a:lvl4pPr marL="960120" indent="0">
+              <a:buNone/>
+              <a:defRPr sz="700"/>
             </a:lvl4pPr>
-            <a:lvl5pPr marL="1828800" indent="0">
-              <a:buNone/>
-              <a:defRPr sz="1000"/>
+            <a:lvl5pPr marL="1280160" indent="0">
+              <a:buNone/>
+              <a:defRPr sz="700"/>
             </a:lvl5pPr>
-            <a:lvl6pPr marL="2286000" indent="0">
-              <a:buNone/>
-              <a:defRPr sz="1000"/>
+            <a:lvl6pPr marL="1600200" indent="0">
+              <a:buNone/>
+              <a:defRPr sz="700"/>
             </a:lvl6pPr>
-            <a:lvl7pPr marL="2743200" indent="0">
-              <a:buNone/>
-              <a:defRPr sz="1000"/>
+            <a:lvl7pPr marL="1920240" indent="0">
+              <a:buNone/>
+              <a:defRPr sz="700"/>
             </a:lvl7pPr>
-            <a:lvl8pPr marL="3200400" indent="0">
-              <a:buNone/>
-              <a:defRPr sz="1000"/>
+            <a:lvl8pPr marL="2240280" indent="0">
+              <a:buNone/>
+              <a:defRPr sz="700"/>
             </a:lvl8pPr>
-            <a:lvl9pPr marL="3657600" indent="0">
-              <a:buNone/>
-              <a:defRPr sz="1000"/>
+            <a:lvl9pPr marL="2560320" indent="0">
+              <a:buNone/>
+              <a:defRPr sz="700"/>
             </a:lvl9pPr>
           </a:lstStyle>
           <a:p>
@@ -2647,13 +2340,7 @@
       </p:sp>
       <p:sp>
         <p:nvSpPr>
-          <p:cNvPr id="5" name="Date Placeholder 4">
-            <a:extLst>
-              <a:ext uri="{FF2B5EF4-FFF2-40B4-BE49-F238E27FC236}">
-                <a16:creationId xmlns:a16="http://schemas.microsoft.com/office/drawing/2014/main" id="{65F0909D-6450-08B4-5A30-D63D1F051CE5}"/>
-              </a:ext>
-            </a:extLst>
-          </p:cNvPr>
+          <p:cNvPr id="5" name="Date Placeholder 4"/>
           <p:cNvSpPr>
             <a:spLocks noGrp="1"/>
           </p:cNvSpPr>
@@ -2668,7 +2355,7 @@
           <a:p>
             <a:fld id="{FB126E3B-FB93-A84E-B9FE-AB0F06BE8661}" type="datetimeFigureOut">
               <a:rPr lang="en-US" smtClean="0"/>
-              <a:t>9/19/24</a:t>
+              <a:t>10/8/24</a:t>
             </a:fld>
             <a:endParaRPr lang="en-US"/>
           </a:p>
@@ -2676,13 +2363,7 @@
       </p:sp>
       <p:sp>
         <p:nvSpPr>
-          <p:cNvPr id="6" name="Footer Placeholder 5">
-            <a:extLst>
-              <a:ext uri="{FF2B5EF4-FFF2-40B4-BE49-F238E27FC236}">
-                <a16:creationId xmlns:a16="http://schemas.microsoft.com/office/drawing/2014/main" id="{95A4D393-1FCD-3A54-D90B-BD64887BE4DF}"/>
-              </a:ext>
-            </a:extLst>
-          </p:cNvPr>
+          <p:cNvPr id="6" name="Footer Placeholder 5"/>
           <p:cNvSpPr>
             <a:spLocks noGrp="1"/>
           </p:cNvSpPr>
@@ -2701,13 +2382,7 @@
       </p:sp>
       <p:sp>
         <p:nvSpPr>
-          <p:cNvPr id="7" name="Slide Number Placeholder 6">
-            <a:extLst>
-              <a:ext uri="{FF2B5EF4-FFF2-40B4-BE49-F238E27FC236}">
-                <a16:creationId xmlns:a16="http://schemas.microsoft.com/office/drawing/2014/main" id="{309ED2F5-C320-1E02-0F84-456988AB754F}"/>
-              </a:ext>
-            </a:extLst>
-          </p:cNvPr>
+          <p:cNvPr id="7" name="Slide Number Placeholder 6"/>
           <p:cNvSpPr>
             <a:spLocks noGrp="1"/>
           </p:cNvSpPr>
@@ -2731,7 +2406,7 @@
     </p:spTree>
     <p:extLst>
       <p:ext uri="{BB962C8B-B14F-4D97-AF65-F5344CB8AC3E}">
-        <p14:creationId xmlns:p14="http://schemas.microsoft.com/office/powerpoint/2010/main" val="2265871359"/>
+        <p14:creationId xmlns:p14="http://schemas.microsoft.com/office/powerpoint/2010/main" val="1751260325"/>
       </p:ext>
     </p:extLst>
   </p:cSld>
@@ -2765,13 +2440,7 @@
       </p:grpSpPr>
       <p:sp>
         <p:nvSpPr>
-          <p:cNvPr id="2" name="Title Placeholder 1">
-            <a:extLst>
-              <a:ext uri="{FF2B5EF4-FFF2-40B4-BE49-F238E27FC236}">
-                <a16:creationId xmlns:a16="http://schemas.microsoft.com/office/drawing/2014/main" id="{466050DA-B9CC-90C3-58D0-081CD29E412F}"/>
-              </a:ext>
-            </a:extLst>
-          </p:cNvPr>
+          <p:cNvPr id="2" name="Title Placeholder 1"/>
           <p:cNvSpPr>
             <a:spLocks noGrp="1"/>
           </p:cNvSpPr>
@@ -2781,8 +2450,8 @@
         </p:nvSpPr>
         <p:spPr>
           <a:xfrm>
-            <a:off x="838200" y="365125"/>
-            <a:ext cx="10515600" cy="1325563"/>
+            <a:off x="440055" y="584202"/>
+            <a:ext cx="5520690" cy="2120901"/>
           </a:xfrm>
           <a:prstGeom prst="rect">
             <a:avLst/>
@@ -2798,18 +2467,13 @@
               <a:rPr lang="en-US"/>
               <a:t>Click to edit Master title style</a:t>
             </a:r>
-          </a:p>
-        </p:txBody>
-      </p:sp>
-      <p:sp>
-        <p:nvSpPr>
-          <p:cNvPr id="3" name="Text Placeholder 2">
-            <a:extLst>
-              <a:ext uri="{FF2B5EF4-FFF2-40B4-BE49-F238E27FC236}">
-                <a16:creationId xmlns:a16="http://schemas.microsoft.com/office/drawing/2014/main" id="{AA3DEA9D-FF04-AC41-B16E-E104064E39AF}"/>
-              </a:ext>
-            </a:extLst>
-          </p:cNvPr>
+            <a:endParaRPr lang="en-US" dirty="0"/>
+          </a:p>
+        </p:txBody>
+      </p:sp>
+      <p:sp>
+        <p:nvSpPr>
+          <p:cNvPr id="3" name="Text Placeholder 2"/>
           <p:cNvSpPr>
             <a:spLocks noGrp="1"/>
           </p:cNvSpPr>
@@ -2819,8 +2483,8 @@
         </p:nvSpPr>
         <p:spPr>
           <a:xfrm>
-            <a:off x="838200" y="1825625"/>
-            <a:ext cx="10515600" cy="4351338"/>
+            <a:off x="440055" y="2921000"/>
+            <a:ext cx="5520690" cy="6962141"/>
           </a:xfrm>
           <a:prstGeom prst="rect">
             <a:avLst/>
@@ -2865,18 +2529,13 @@
               <a:rPr lang="en-US"/>
               <a:t>Fifth level</a:t>
             </a:r>
-          </a:p>
-        </p:txBody>
-      </p:sp>
-      <p:sp>
-        <p:nvSpPr>
-          <p:cNvPr id="4" name="Date Placeholder 3">
-            <a:extLst>
-              <a:ext uri="{FF2B5EF4-FFF2-40B4-BE49-F238E27FC236}">
-                <a16:creationId xmlns:a16="http://schemas.microsoft.com/office/drawing/2014/main" id="{7C343B15-6529-8691-F417-EC152731B594}"/>
-              </a:ext>
-            </a:extLst>
-          </p:cNvPr>
+            <a:endParaRPr lang="en-US" dirty="0"/>
+          </a:p>
+        </p:txBody>
+      </p:sp>
+      <p:sp>
+        <p:nvSpPr>
+          <p:cNvPr id="4" name="Date Placeholder 3"/>
           <p:cNvSpPr>
             <a:spLocks noGrp="1"/>
           </p:cNvSpPr>
@@ -2886,8 +2545,8 @@
         </p:nvSpPr>
         <p:spPr>
           <a:xfrm>
-            <a:off x="838200" y="6356350"/>
-            <a:ext cx="2743200" cy="365125"/>
+            <a:off x="440055" y="10170162"/>
+            <a:ext cx="1440180" cy="584200"/>
           </a:xfrm>
           <a:prstGeom prst="rect">
             <a:avLst/>
@@ -2897,7 +2556,7 @@
           <a:bodyPr vert="horz" lIns="91440" tIns="45720" rIns="91440" bIns="45720" rtlCol="0" anchor="ctr"/>
           <a:lstStyle>
             <a:lvl1pPr algn="l">
-              <a:defRPr sz="1200">
+              <a:defRPr sz="840">
                 <a:solidFill>
                   <a:schemeClr val="tx1">
                     <a:tint val="82000"/>
@@ -2909,7 +2568,7 @@
           <a:p>
             <a:fld id="{FB126E3B-FB93-A84E-B9FE-AB0F06BE8661}" type="datetimeFigureOut">
               <a:rPr lang="en-US" smtClean="0"/>
-              <a:t>9/19/24</a:t>
+              <a:t>10/8/24</a:t>
             </a:fld>
             <a:endParaRPr lang="en-US"/>
           </a:p>
@@ -2917,13 +2576,7 @@
       </p:sp>
       <p:sp>
         <p:nvSpPr>
-          <p:cNvPr id="5" name="Footer Placeholder 4">
-            <a:extLst>
-              <a:ext uri="{FF2B5EF4-FFF2-40B4-BE49-F238E27FC236}">
-                <a16:creationId xmlns:a16="http://schemas.microsoft.com/office/drawing/2014/main" id="{AD295E7D-56AB-C1F4-8B11-538EC5826DCE}"/>
-              </a:ext>
-            </a:extLst>
-          </p:cNvPr>
+          <p:cNvPr id="5" name="Footer Placeholder 4"/>
           <p:cNvSpPr>
             <a:spLocks noGrp="1"/>
           </p:cNvSpPr>
@@ -2933,8 +2586,8 @@
         </p:nvSpPr>
         <p:spPr>
           <a:xfrm>
-            <a:off x="4038600" y="6356350"/>
-            <a:ext cx="4114800" cy="365125"/>
+            <a:off x="2120265" y="10170162"/>
+            <a:ext cx="2160270" cy="584200"/>
           </a:xfrm>
           <a:prstGeom prst="rect">
             <a:avLst/>
@@ -2944,7 +2597,7 @@
           <a:bodyPr vert="horz" lIns="91440" tIns="45720" rIns="91440" bIns="45720" rtlCol="0" anchor="ctr"/>
           <a:lstStyle>
             <a:lvl1pPr algn="ctr">
-              <a:defRPr sz="1200">
+              <a:defRPr sz="840">
                 <a:solidFill>
                   <a:schemeClr val="tx1">
                     <a:tint val="82000"/>
@@ -2960,13 +2613,7 @@
       </p:sp>
       <p:sp>
         <p:nvSpPr>
-          <p:cNvPr id="6" name="Slide Number Placeholder 5">
-            <a:extLst>
-              <a:ext uri="{FF2B5EF4-FFF2-40B4-BE49-F238E27FC236}">
-                <a16:creationId xmlns:a16="http://schemas.microsoft.com/office/drawing/2014/main" id="{E43B2641-F73A-83A1-A602-A8DC871F5E28}"/>
-              </a:ext>
-            </a:extLst>
-          </p:cNvPr>
+          <p:cNvPr id="6" name="Slide Number Placeholder 5"/>
           <p:cNvSpPr>
             <a:spLocks noGrp="1"/>
           </p:cNvSpPr>
@@ -2976,8 +2623,8 @@
         </p:nvSpPr>
         <p:spPr>
           <a:xfrm>
-            <a:off x="8610600" y="6356350"/>
-            <a:ext cx="2743200" cy="365125"/>
+            <a:off x="4520565" y="10170162"/>
+            <a:ext cx="1440180" cy="584200"/>
           </a:xfrm>
           <a:prstGeom prst="rect">
             <a:avLst/>
@@ -2987,7 +2634,7 @@
           <a:bodyPr vert="horz" lIns="91440" tIns="45720" rIns="91440" bIns="45720" rtlCol="0" anchor="ctr"/>
           <a:lstStyle>
             <a:lvl1pPr algn="r">
-              <a:defRPr sz="1200">
+              <a:defRPr sz="840">
                 <a:solidFill>
                   <a:schemeClr val="tx1">
                     <a:tint val="82000"/>
@@ -3008,27 +2655,27 @@
     </p:spTree>
     <p:extLst>
       <p:ext uri="{BB962C8B-B14F-4D97-AF65-F5344CB8AC3E}">
-        <p14:creationId xmlns:p14="http://schemas.microsoft.com/office/powerpoint/2010/main" val="3712910812"/>
+        <p14:creationId xmlns:p14="http://schemas.microsoft.com/office/powerpoint/2010/main" val="763576412"/>
       </p:ext>
     </p:extLst>
   </p:cSld>
   <p:clrMap bg1="lt1" tx1="dk1" bg2="lt2" tx2="dk2" accent1="accent1" accent2="accent2" accent3="accent3" accent4="accent4" accent5="accent5" accent6="accent6" hlink="hlink" folHlink="folHlink"/>
   <p:sldLayoutIdLst>
-    <p:sldLayoutId id="2147483649" r:id="rId1"/>
-    <p:sldLayoutId id="2147483650" r:id="rId2"/>
-    <p:sldLayoutId id="2147483651" r:id="rId3"/>
-    <p:sldLayoutId id="2147483652" r:id="rId4"/>
-    <p:sldLayoutId id="2147483653" r:id="rId5"/>
-    <p:sldLayoutId id="2147483654" r:id="rId6"/>
-    <p:sldLayoutId id="2147483655" r:id="rId7"/>
-    <p:sldLayoutId id="2147483656" r:id="rId8"/>
-    <p:sldLayoutId id="2147483657" r:id="rId9"/>
-    <p:sldLayoutId id="2147483658" r:id="rId10"/>
-    <p:sldLayoutId id="2147483659" r:id="rId11"/>
+    <p:sldLayoutId id="2147483673" r:id="rId1"/>
+    <p:sldLayoutId id="2147483674" r:id="rId2"/>
+    <p:sldLayoutId id="2147483675" r:id="rId3"/>
+    <p:sldLayoutId id="2147483676" r:id="rId4"/>
+    <p:sldLayoutId id="2147483677" r:id="rId5"/>
+    <p:sldLayoutId id="2147483678" r:id="rId6"/>
+    <p:sldLayoutId id="2147483679" r:id="rId7"/>
+    <p:sldLayoutId id="2147483680" r:id="rId8"/>
+    <p:sldLayoutId id="2147483681" r:id="rId9"/>
+    <p:sldLayoutId id="2147483682" r:id="rId10"/>
+    <p:sldLayoutId id="2147483683" r:id="rId11"/>
   </p:sldLayoutIdLst>
   <p:txStyles>
     <p:titleStyle>
-      <a:lvl1pPr algn="l" defTabSz="914400" rtl="0" eaLnBrk="1" latinLnBrk="0" hangingPunct="1">
+      <a:lvl1pPr algn="l" defTabSz="640080" rtl="0" eaLnBrk="1" latinLnBrk="0" hangingPunct="1">
         <a:lnSpc>
           <a:spcPct val="90000"/>
         </a:lnSpc>
@@ -3036,7 +2683,7 @@
           <a:spcPct val="0"/>
         </a:spcBef>
         <a:buNone/>
-        <a:defRPr sz="4400" kern="1200">
+        <a:defRPr sz="3080" kern="1200">
           <a:solidFill>
             <a:schemeClr val="tx1"/>
           </a:solidFill>
@@ -3047,16 +2694,16 @@
       </a:lvl1pPr>
     </p:titleStyle>
     <p:bodyStyle>
-      <a:lvl1pPr marL="228600" indent="-228600" algn="l" defTabSz="914400" rtl="0" eaLnBrk="1" latinLnBrk="0" hangingPunct="1">
+      <a:lvl1pPr marL="160020" indent="-160020" algn="l" defTabSz="640080" rtl="0" eaLnBrk="1" latinLnBrk="0" hangingPunct="1">
         <a:lnSpc>
           <a:spcPct val="90000"/>
         </a:lnSpc>
         <a:spcBef>
-          <a:spcPts val="1000"/>
+          <a:spcPts val="700"/>
         </a:spcBef>
         <a:buFont typeface="Arial" panose="020B0604020202020204" pitchFamily="34" charset="0"/>
         <a:buChar char="•"/>
-        <a:defRPr sz="2800" kern="1200">
+        <a:defRPr sz="1960" kern="1200">
           <a:solidFill>
             <a:schemeClr val="tx1"/>
           </a:solidFill>
@@ -3065,16 +2712,16 @@
           <a:cs typeface="+mn-cs"/>
         </a:defRPr>
       </a:lvl1pPr>
-      <a:lvl2pPr marL="685800" indent="-228600" algn="l" defTabSz="914400" rtl="0" eaLnBrk="1" latinLnBrk="0" hangingPunct="1">
+      <a:lvl2pPr marL="480060" indent="-160020" algn="l" defTabSz="640080" rtl="0" eaLnBrk="1" latinLnBrk="0" hangingPunct="1">
         <a:lnSpc>
           <a:spcPct val="90000"/>
         </a:lnSpc>
         <a:spcBef>
-          <a:spcPts val="500"/>
+          <a:spcPts val="350"/>
         </a:spcBef>
         <a:buFont typeface="Arial" panose="020B0604020202020204" pitchFamily="34" charset="0"/>
         <a:buChar char="•"/>
-        <a:defRPr sz="2400" kern="1200">
+        <a:defRPr sz="1680" kern="1200">
           <a:solidFill>
             <a:schemeClr val="tx1"/>
           </a:solidFill>
@@ -3083,16 +2730,16 @@
           <a:cs typeface="+mn-cs"/>
         </a:defRPr>
       </a:lvl2pPr>
-      <a:lvl3pPr marL="1143000" indent="-228600" algn="l" defTabSz="914400" rtl="0" eaLnBrk="1" latinLnBrk="0" hangingPunct="1">
+      <a:lvl3pPr marL="800100" indent="-160020" algn="l" defTabSz="640080" rtl="0" eaLnBrk="1" latinLnBrk="0" hangingPunct="1">
         <a:lnSpc>
           <a:spcPct val="90000"/>
         </a:lnSpc>
         <a:spcBef>
-          <a:spcPts val="500"/>
+          <a:spcPts val="350"/>
         </a:spcBef>
         <a:buFont typeface="Arial" panose="020B0604020202020204" pitchFamily="34" charset="0"/>
         <a:buChar char="•"/>
-        <a:defRPr sz="2000" kern="1200">
+        <a:defRPr sz="1400" kern="1200">
           <a:solidFill>
             <a:schemeClr val="tx1"/>
           </a:solidFill>
@@ -3101,16 +2748,16 @@
           <a:cs typeface="+mn-cs"/>
         </a:defRPr>
       </a:lvl3pPr>
-      <a:lvl4pPr marL="1600200" indent="-228600" algn="l" defTabSz="914400" rtl="0" eaLnBrk="1" latinLnBrk="0" hangingPunct="1">
+      <a:lvl4pPr marL="1120140" indent="-160020" algn="l" defTabSz="640080" rtl="0" eaLnBrk="1" latinLnBrk="0" hangingPunct="1">
         <a:lnSpc>
           <a:spcPct val="90000"/>
         </a:lnSpc>
         <a:spcBef>
-          <a:spcPts val="500"/>
+          <a:spcPts val="350"/>
         </a:spcBef>
         <a:buFont typeface="Arial" panose="020B0604020202020204" pitchFamily="34" charset="0"/>
         <a:buChar char="•"/>
-        <a:defRPr sz="1800" kern="1200">
+        <a:defRPr sz="1260" kern="1200">
           <a:solidFill>
             <a:schemeClr val="tx1"/>
           </a:solidFill>
@@ -3119,16 +2766,16 @@
           <a:cs typeface="+mn-cs"/>
         </a:defRPr>
       </a:lvl4pPr>
-      <a:lvl5pPr marL="2057400" indent="-228600" algn="l" defTabSz="914400" rtl="0" eaLnBrk="1" latinLnBrk="0" hangingPunct="1">
+      <a:lvl5pPr marL="1440180" indent="-160020" algn="l" defTabSz="640080" rtl="0" eaLnBrk="1" latinLnBrk="0" hangingPunct="1">
         <a:lnSpc>
           <a:spcPct val="90000"/>
         </a:lnSpc>
         <a:spcBef>
-          <a:spcPts val="500"/>
+          <a:spcPts val="350"/>
         </a:spcBef>
         <a:buFont typeface="Arial" panose="020B0604020202020204" pitchFamily="34" charset="0"/>
         <a:buChar char="•"/>
-        <a:defRPr sz="1800" kern="1200">
+        <a:defRPr sz="1260" kern="1200">
           <a:solidFill>
             <a:schemeClr val="tx1"/>
           </a:solidFill>
@@ -3137,16 +2784,16 @@
           <a:cs typeface="+mn-cs"/>
         </a:defRPr>
       </a:lvl5pPr>
-      <a:lvl6pPr marL="2514600" indent="-228600" algn="l" defTabSz="914400" rtl="0" eaLnBrk="1" latinLnBrk="0" hangingPunct="1">
+      <a:lvl6pPr marL="1760220" indent="-160020" algn="l" defTabSz="640080" rtl="0" eaLnBrk="1" latinLnBrk="0" hangingPunct="1">
         <a:lnSpc>
           <a:spcPct val="90000"/>
         </a:lnSpc>
         <a:spcBef>
-          <a:spcPts val="500"/>
+          <a:spcPts val="350"/>
         </a:spcBef>
         <a:buFont typeface="Arial" panose="020B0604020202020204" pitchFamily="34" charset="0"/>
         <a:buChar char="•"/>
-        <a:defRPr sz="1800" kern="1200">
+        <a:defRPr sz="1260" kern="1200">
           <a:solidFill>
             <a:schemeClr val="tx1"/>
           </a:solidFill>
@@ -3155,16 +2802,16 @@
           <a:cs typeface="+mn-cs"/>
         </a:defRPr>
       </a:lvl6pPr>
-      <a:lvl7pPr marL="2971800" indent="-228600" algn="l" defTabSz="914400" rtl="0" eaLnBrk="1" latinLnBrk="0" hangingPunct="1">
+      <a:lvl7pPr marL="2080260" indent="-160020" algn="l" defTabSz="640080" rtl="0" eaLnBrk="1" latinLnBrk="0" hangingPunct="1">
         <a:lnSpc>
           <a:spcPct val="90000"/>
         </a:lnSpc>
         <a:spcBef>
-          <a:spcPts val="500"/>
+          <a:spcPts val="350"/>
         </a:spcBef>
         <a:buFont typeface="Arial" panose="020B0604020202020204" pitchFamily="34" charset="0"/>
         <a:buChar char="•"/>
-        <a:defRPr sz="1800" kern="1200">
+        <a:defRPr sz="1260" kern="1200">
           <a:solidFill>
             <a:schemeClr val="tx1"/>
           </a:solidFill>
@@ -3173,16 +2820,16 @@
           <a:cs typeface="+mn-cs"/>
         </a:defRPr>
       </a:lvl7pPr>
-      <a:lvl8pPr marL="3429000" indent="-228600" algn="l" defTabSz="914400" rtl="0" eaLnBrk="1" latinLnBrk="0" hangingPunct="1">
+      <a:lvl8pPr marL="2400300" indent="-160020" algn="l" defTabSz="640080" rtl="0" eaLnBrk="1" latinLnBrk="0" hangingPunct="1">
         <a:lnSpc>
           <a:spcPct val="90000"/>
         </a:lnSpc>
         <a:spcBef>
-          <a:spcPts val="500"/>
+          <a:spcPts val="350"/>
         </a:spcBef>
         <a:buFont typeface="Arial" panose="020B0604020202020204" pitchFamily="34" charset="0"/>
         <a:buChar char="•"/>
-        <a:defRPr sz="1800" kern="1200">
+        <a:defRPr sz="1260" kern="1200">
           <a:solidFill>
             <a:schemeClr val="tx1"/>
           </a:solidFill>
@@ -3191,16 +2838,16 @@
           <a:cs typeface="+mn-cs"/>
         </a:defRPr>
       </a:lvl8pPr>
-      <a:lvl9pPr marL="3886200" indent="-228600" algn="l" defTabSz="914400" rtl="0" eaLnBrk="1" latinLnBrk="0" hangingPunct="1">
+      <a:lvl9pPr marL="2720340" indent="-160020" algn="l" defTabSz="640080" rtl="0" eaLnBrk="1" latinLnBrk="0" hangingPunct="1">
         <a:lnSpc>
           <a:spcPct val="90000"/>
         </a:lnSpc>
         <a:spcBef>
-          <a:spcPts val="500"/>
+          <a:spcPts val="350"/>
         </a:spcBef>
         <a:buFont typeface="Arial" panose="020B0604020202020204" pitchFamily="34" charset="0"/>
         <a:buChar char="•"/>
-        <a:defRPr sz="1800" kern="1200">
+        <a:defRPr sz="1260" kern="1200">
           <a:solidFill>
             <a:schemeClr val="tx1"/>
           </a:solidFill>
@@ -3214,8 +2861,8 @@
       <a:defPPr>
         <a:defRPr lang="en-US"/>
       </a:defPPr>
-      <a:lvl1pPr marL="0" algn="l" defTabSz="914400" rtl="0" eaLnBrk="1" latinLnBrk="0" hangingPunct="1">
-        <a:defRPr sz="1800" kern="1200">
+      <a:lvl1pPr marL="0" algn="l" defTabSz="640080" rtl="0" eaLnBrk="1" latinLnBrk="0" hangingPunct="1">
+        <a:defRPr sz="1260" kern="1200">
           <a:solidFill>
             <a:schemeClr val="tx1"/>
           </a:solidFill>
@@ -3224,8 +2871,8 @@
           <a:cs typeface="+mn-cs"/>
         </a:defRPr>
       </a:lvl1pPr>
-      <a:lvl2pPr marL="457200" algn="l" defTabSz="914400" rtl="0" eaLnBrk="1" latinLnBrk="0" hangingPunct="1">
-        <a:defRPr sz="1800" kern="1200">
+      <a:lvl2pPr marL="320040" algn="l" defTabSz="640080" rtl="0" eaLnBrk="1" latinLnBrk="0" hangingPunct="1">
+        <a:defRPr sz="1260" kern="1200">
           <a:solidFill>
             <a:schemeClr val="tx1"/>
           </a:solidFill>
@@ -3234,8 +2881,8 @@
           <a:cs typeface="+mn-cs"/>
         </a:defRPr>
       </a:lvl2pPr>
-      <a:lvl3pPr marL="914400" algn="l" defTabSz="914400" rtl="0" eaLnBrk="1" latinLnBrk="0" hangingPunct="1">
-        <a:defRPr sz="1800" kern="1200">
+      <a:lvl3pPr marL="640080" algn="l" defTabSz="640080" rtl="0" eaLnBrk="1" latinLnBrk="0" hangingPunct="1">
+        <a:defRPr sz="1260" kern="1200">
           <a:solidFill>
             <a:schemeClr val="tx1"/>
           </a:solidFill>
@@ -3244,8 +2891,8 @@
           <a:cs typeface="+mn-cs"/>
         </a:defRPr>
       </a:lvl3pPr>
-      <a:lvl4pPr marL="1371600" algn="l" defTabSz="914400" rtl="0" eaLnBrk="1" latinLnBrk="0" hangingPunct="1">
-        <a:defRPr sz="1800" kern="1200">
+      <a:lvl4pPr marL="960120" algn="l" defTabSz="640080" rtl="0" eaLnBrk="1" latinLnBrk="0" hangingPunct="1">
+        <a:defRPr sz="1260" kern="1200">
           <a:solidFill>
             <a:schemeClr val="tx1"/>
           </a:solidFill>
@@ -3254,8 +2901,8 @@
           <a:cs typeface="+mn-cs"/>
         </a:defRPr>
       </a:lvl4pPr>
-      <a:lvl5pPr marL="1828800" algn="l" defTabSz="914400" rtl="0" eaLnBrk="1" latinLnBrk="0" hangingPunct="1">
-        <a:defRPr sz="1800" kern="1200">
+      <a:lvl5pPr marL="1280160" algn="l" defTabSz="640080" rtl="0" eaLnBrk="1" latinLnBrk="0" hangingPunct="1">
+        <a:defRPr sz="1260" kern="1200">
           <a:solidFill>
             <a:schemeClr val="tx1"/>
           </a:solidFill>
@@ -3264,8 +2911,8 @@
           <a:cs typeface="+mn-cs"/>
         </a:defRPr>
       </a:lvl5pPr>
-      <a:lvl6pPr marL="2286000" algn="l" defTabSz="914400" rtl="0" eaLnBrk="1" latinLnBrk="0" hangingPunct="1">
-        <a:defRPr sz="1800" kern="1200">
+      <a:lvl6pPr marL="1600200" algn="l" defTabSz="640080" rtl="0" eaLnBrk="1" latinLnBrk="0" hangingPunct="1">
+        <a:defRPr sz="1260" kern="1200">
           <a:solidFill>
             <a:schemeClr val="tx1"/>
           </a:solidFill>
@@ -3274,8 +2921,8 @@
           <a:cs typeface="+mn-cs"/>
         </a:defRPr>
       </a:lvl6pPr>
-      <a:lvl7pPr marL="2743200" algn="l" defTabSz="914400" rtl="0" eaLnBrk="1" latinLnBrk="0" hangingPunct="1">
-        <a:defRPr sz="1800" kern="1200">
+      <a:lvl7pPr marL="1920240" algn="l" defTabSz="640080" rtl="0" eaLnBrk="1" latinLnBrk="0" hangingPunct="1">
+        <a:defRPr sz="1260" kern="1200">
           <a:solidFill>
             <a:schemeClr val="tx1"/>
           </a:solidFill>
@@ -3284,8 +2931,8 @@
           <a:cs typeface="+mn-cs"/>
         </a:defRPr>
       </a:lvl7pPr>
-      <a:lvl8pPr marL="3200400" algn="l" defTabSz="914400" rtl="0" eaLnBrk="1" latinLnBrk="0" hangingPunct="1">
-        <a:defRPr sz="1800" kern="1200">
+      <a:lvl8pPr marL="2240280" algn="l" defTabSz="640080" rtl="0" eaLnBrk="1" latinLnBrk="0" hangingPunct="1">
+        <a:defRPr sz="1260" kern="1200">
           <a:solidFill>
             <a:schemeClr val="tx1"/>
           </a:solidFill>
@@ -3294,8 +2941,8 @@
           <a:cs typeface="+mn-cs"/>
         </a:defRPr>
       </a:lvl8pPr>
-      <a:lvl9pPr marL="3657600" algn="l" defTabSz="914400" rtl="0" eaLnBrk="1" latinLnBrk="0" hangingPunct="1">
-        <a:defRPr sz="1800" kern="1200">
+      <a:lvl9pPr marL="2560320" algn="l" defTabSz="640080" rtl="0" eaLnBrk="1" latinLnBrk="0" hangingPunct="1">
+        <a:defRPr sz="1260" kern="1200">
           <a:solidFill>
             <a:schemeClr val="tx1"/>
           </a:solidFill>
@@ -3340,8 +2987,8 @@
         </p:nvSpPr>
         <p:spPr>
           <a:xfrm>
-            <a:off x="2667000" y="0"/>
-            <a:ext cx="327334" cy="369332"/>
+            <a:off x="1153406" y="257938"/>
+            <a:ext cx="436387" cy="461665"/>
           </a:xfrm>
           <a:prstGeom prst="rect">
             <a:avLst/>
@@ -3349,13 +2996,13 @@
           <a:noFill/>
         </p:spPr>
         <p:txBody>
-          <a:bodyPr wrap="none" rtlCol="0">
+          <a:bodyPr wrap="square" rtlCol="0">
             <a:spAutoFit/>
           </a:bodyPr>
           <a:lstStyle/>
           <a:p>
             <a:r>
-              <a:rPr lang="en-US" b="1" dirty="0"/>
+              <a:rPr lang="en-US" sz="2400" b="1" dirty="0"/>
               <a:t>A</a:t>
             </a:r>
           </a:p>
@@ -3375,8 +3022,8 @@
         </p:nvSpPr>
         <p:spPr>
           <a:xfrm>
-            <a:off x="6096000" y="0"/>
-            <a:ext cx="327334" cy="369332"/>
+            <a:off x="1133678" y="3655143"/>
+            <a:ext cx="375424" cy="461665"/>
           </a:xfrm>
           <a:prstGeom prst="rect">
             <a:avLst/>
@@ -3390,9 +3037,10 @@
           <a:lstStyle/>
           <a:p>
             <a:r>
-              <a:rPr lang="en-US" b="1" dirty="0"/>
+              <a:rPr lang="en-US" sz="2400" b="1" dirty="0"/>
               <a:t>B</a:t>
             </a:r>
+            <a:endParaRPr lang="en-US" sz="2880" b="1" dirty="0"/>
           </a:p>
         </p:txBody>
       </p:sp>
@@ -3410,8 +3058,8 @@
         </p:nvSpPr>
         <p:spPr>
           <a:xfrm>
-            <a:off x="6087184" y="3244334"/>
-            <a:ext cx="344966" cy="369332"/>
+            <a:off x="1117648" y="7047434"/>
+            <a:ext cx="402674" cy="461665"/>
           </a:xfrm>
           <a:prstGeom prst="rect">
             <a:avLst/>
@@ -3425,9 +3073,10 @@
           <a:lstStyle/>
           <a:p>
             <a:r>
-              <a:rPr lang="en-US" b="1" dirty="0"/>
+              <a:rPr lang="en-US" sz="2400" b="1" dirty="0"/>
               <a:t>C</a:t>
             </a:r>
+            <a:endParaRPr lang="en-US" sz="2880" b="1" dirty="0"/>
           </a:p>
         </p:txBody>
       </p:sp>
@@ -3453,7 +3102,7 @@
         </p:blipFill>
         <p:spPr>
           <a:xfrm>
-            <a:off x="2895600" y="228600"/>
+            <a:off x="-1280160" y="365760"/>
             <a:ext cx="0" cy="0"/>
           </a:xfrm>
           <a:prstGeom prst="rect">
@@ -3463,10 +3112,10 @@
       </p:pic>
       <p:pic>
         <p:nvPicPr>
-          <p:cNvPr id="17" name="Picture 16">
+          <p:cNvPr id="4" name="Picture 3">
             <a:extLst>
               <a:ext uri="{FF2B5EF4-FFF2-40B4-BE49-F238E27FC236}">
-                <a16:creationId xmlns:a16="http://schemas.microsoft.com/office/drawing/2014/main" id="{CC4F03A0-EB68-BB80-AE57-B62850B41834}"/>
+                <a16:creationId xmlns:a16="http://schemas.microsoft.com/office/drawing/2014/main" id="{D07C3F45-AAC4-8495-886E-4E59082F4B87}"/>
               </a:ext>
             </a:extLst>
           </p:cNvPr>
@@ -3483,8 +3132,8 @@
         </p:blipFill>
         <p:spPr>
           <a:xfrm>
-            <a:off x="6259667" y="0"/>
-            <a:ext cx="3429000" cy="3429000"/>
+            <a:off x="1371600" y="262852"/>
+            <a:ext cx="3657600" cy="3657600"/>
           </a:xfrm>
           <a:prstGeom prst="rect">
             <a:avLst/>
@@ -3493,10 +3142,10 @@
       </p:pic>
       <p:pic>
         <p:nvPicPr>
-          <p:cNvPr id="19" name="Picture 18">
+          <p:cNvPr id="6" name="Picture 5">
             <a:extLst>
               <a:ext uri="{FF2B5EF4-FFF2-40B4-BE49-F238E27FC236}">
-                <a16:creationId xmlns:a16="http://schemas.microsoft.com/office/drawing/2014/main" id="{063AF34D-4011-6ABA-2877-A2236CE6FCCD}"/>
+                <a16:creationId xmlns:a16="http://schemas.microsoft.com/office/drawing/2014/main" id="{0E8D1A76-F859-99E6-1227-38595062A60B}"/>
               </a:ext>
             </a:extLst>
           </p:cNvPr>
@@ -3513,8 +3162,8 @@
         </p:blipFill>
         <p:spPr>
           <a:xfrm>
-            <a:off x="2830667" y="0"/>
-            <a:ext cx="3429000" cy="3429000"/>
+            <a:off x="1371600" y="3657600"/>
+            <a:ext cx="3657600" cy="3657600"/>
           </a:xfrm>
           <a:prstGeom prst="rect">
             <a:avLst/>
@@ -3523,10 +3172,10 @@
       </p:pic>
       <p:pic>
         <p:nvPicPr>
-          <p:cNvPr id="21" name="Picture 20">
+          <p:cNvPr id="8" name="Picture 7">
             <a:extLst>
               <a:ext uri="{FF2B5EF4-FFF2-40B4-BE49-F238E27FC236}">
-                <a16:creationId xmlns:a16="http://schemas.microsoft.com/office/drawing/2014/main" id="{C2DF4475-A32B-83BF-4A5F-CF1C29A29D78}"/>
+                <a16:creationId xmlns:a16="http://schemas.microsoft.com/office/drawing/2014/main" id="{543CFE12-9FFB-4F94-7124-FDCE41CEF6BA}"/>
               </a:ext>
             </a:extLst>
           </p:cNvPr>
@@ -3543,8 +3192,8 @@
         </p:blipFill>
         <p:spPr>
           <a:xfrm>
-            <a:off x="6268483" y="3244334"/>
-            <a:ext cx="3429000" cy="3429000"/>
+            <a:off x="1371600" y="7052348"/>
+            <a:ext cx="3657600" cy="3657600"/>
           </a:xfrm>
           <a:prstGeom prst="rect">
             <a:avLst/>
@@ -3567,7 +3216,7 @@
 <file path=ppt/theme/theme1.xml><?xml version="1.0" encoding="utf-8"?>
 <a:theme xmlns:a="http://schemas.openxmlformats.org/drawingml/2006/main" name="Office Theme">
   <a:themeElements>
-    <a:clrScheme name="Office">
+    <a:clrScheme name="Office Theme">
       <a:dk1>
         <a:sysClr val="windowText" lastClr="000000"/>
       </a:dk1>
@@ -3605,7 +3254,7 @@
         <a:srgbClr val="96607D"/>
       </a:folHlink>
     </a:clrScheme>
-    <a:fontScheme name="Office">
+    <a:fontScheme name="Office Theme">
       <a:majorFont>
         <a:latin typeface="Aptos Display" panose="02110004020202020204"/>
         <a:ea typeface=""/>
@@ -3711,7 +3360,7 @@
         <a:font script="Tfng" typeface="Ebrima"/>
       </a:minorFont>
     </a:fontScheme>
-    <a:fmtScheme name="Office">
+    <a:fmtScheme name="Office Theme">
       <a:fillStyleLst>
         <a:solidFill>
           <a:schemeClr val="phClr"/>
